--- a/extra/Presentations/2015-06-22-AM_Ashley_WelcomeLecture.pptx
+++ b/extra/Presentations/2015-06-22-AM_Ashley_WelcomeLecture.pptx
@@ -21049,6 +21049,13 @@
   <p:clrMapOvr>
     <a:masterClrMapping/>
   </p:clrMapOvr>
+  <p:timing>
+    <p:tnLst>
+      <p:par>
+        <p:cTn xmlns:p14="http://schemas.microsoft.com/office/powerpoint/2010/main" id="1" dur="indefinite" restart="never" nodeType="tmRoot"/>
+      </p:par>
+    </p:tnLst>
+  </p:timing>
 </p:sld>
 </file>
 

--- a/extra/Presentations/2015-06-22-AM_Ashley_WelcomeLecture.pptx
+++ b/extra/Presentations/2015-06-22-AM_Ashley_WelcomeLecture.pptx
@@ -5,41 +5,43 @@
     <p:sldMasterId id="2147483648" r:id="rId1"/>
   </p:sldMasterIdLst>
   <p:notesMasterIdLst>
-    <p:notesMasterId r:id="rId34"/>
+    <p:notesMasterId r:id="rId36"/>
   </p:notesMasterIdLst>
   <p:sldIdLst>
-    <p:sldId id="256" r:id="rId2"/>
-    <p:sldId id="258" r:id="rId3"/>
-    <p:sldId id="267" r:id="rId4"/>
+    <p:sldId id="302" r:id="rId2"/>
+    <p:sldId id="256" r:id="rId3"/>
+    <p:sldId id="258" r:id="rId4"/>
     <p:sldId id="268" r:id="rId5"/>
     <p:sldId id="279" r:id="rId6"/>
     <p:sldId id="280" r:id="rId7"/>
     <p:sldId id="281" r:id="rId8"/>
-    <p:sldId id="282" r:id="rId9"/>
-    <p:sldId id="284" r:id="rId10"/>
-    <p:sldId id="286" r:id="rId11"/>
-    <p:sldId id="287" r:id="rId12"/>
-    <p:sldId id="288" r:id="rId13"/>
-    <p:sldId id="289" r:id="rId14"/>
-    <p:sldId id="292" r:id="rId15"/>
-    <p:sldId id="293" r:id="rId16"/>
-    <p:sldId id="294" r:id="rId17"/>
-    <p:sldId id="295" r:id="rId18"/>
-    <p:sldId id="296" r:id="rId19"/>
-    <p:sldId id="297" r:id="rId20"/>
-    <p:sldId id="298" r:id="rId21"/>
-    <p:sldId id="259" r:id="rId22"/>
-    <p:sldId id="260" r:id="rId23"/>
-    <p:sldId id="261" r:id="rId24"/>
-    <p:sldId id="262" r:id="rId25"/>
-    <p:sldId id="299" r:id="rId26"/>
-    <p:sldId id="269" r:id="rId27"/>
-    <p:sldId id="270" r:id="rId28"/>
-    <p:sldId id="273" r:id="rId29"/>
-    <p:sldId id="272" r:id="rId30"/>
-    <p:sldId id="271" r:id="rId31"/>
-    <p:sldId id="274" r:id="rId32"/>
-    <p:sldId id="275" r:id="rId33"/>
+    <p:sldId id="301" r:id="rId9"/>
+    <p:sldId id="282" r:id="rId10"/>
+    <p:sldId id="284" r:id="rId11"/>
+    <p:sldId id="286" r:id="rId12"/>
+    <p:sldId id="287" r:id="rId13"/>
+    <p:sldId id="288" r:id="rId14"/>
+    <p:sldId id="289" r:id="rId15"/>
+    <p:sldId id="292" r:id="rId16"/>
+    <p:sldId id="293" r:id="rId17"/>
+    <p:sldId id="294" r:id="rId18"/>
+    <p:sldId id="295" r:id="rId19"/>
+    <p:sldId id="296" r:id="rId20"/>
+    <p:sldId id="297" r:id="rId21"/>
+    <p:sldId id="300" r:id="rId22"/>
+    <p:sldId id="267" r:id="rId23"/>
+    <p:sldId id="259" r:id="rId24"/>
+    <p:sldId id="260" r:id="rId25"/>
+    <p:sldId id="261" r:id="rId26"/>
+    <p:sldId id="262" r:id="rId27"/>
+    <p:sldId id="299" r:id="rId28"/>
+    <p:sldId id="269" r:id="rId29"/>
+    <p:sldId id="270" r:id="rId30"/>
+    <p:sldId id="273" r:id="rId31"/>
+    <p:sldId id="272" r:id="rId32"/>
+    <p:sldId id="271" r:id="rId33"/>
+    <p:sldId id="274" r:id="rId34"/>
+    <p:sldId id="275" r:id="rId35"/>
   </p:sldIdLst>
   <p:sldSz cx="9144000" cy="6858000" type="screen4x3"/>
   <p:notesSz cx="6858000" cy="9144000"/>
@@ -223,7 +225,7 @@
           <a:p>
             <a:fld id="{28E76305-F88B-4E40-AE0B-330CF54FA9C9}" type="datetimeFigureOut">
               <a:rPr lang="en-US" smtClean="0"/>
-              <a:t>4/23/15</a:t>
+              <a:t>6/21/15</a:t>
             </a:fld>
             <a:endParaRPr lang="en-US"/>
           </a:p>
@@ -672,7 +674,7 @@
           <a:p>
             <a:fld id="{400AC585-FD00-384A-B634-4C3FCFC80906}" type="datetimeFigureOut">
               <a:rPr lang="en-US" smtClean="0"/>
-              <a:t>4/23/15</a:t>
+              <a:t>6/21/15</a:t>
             </a:fld>
             <a:endParaRPr lang="en-US"/>
           </a:p>
@@ -842,7 +844,7 @@
           <a:p>
             <a:fld id="{400AC585-FD00-384A-B634-4C3FCFC80906}" type="datetimeFigureOut">
               <a:rPr lang="en-US" smtClean="0"/>
-              <a:t>4/23/15</a:t>
+              <a:t>6/21/15</a:t>
             </a:fld>
             <a:endParaRPr lang="en-US"/>
           </a:p>
@@ -1022,7 +1024,7 @@
           <a:p>
             <a:fld id="{400AC585-FD00-384A-B634-4C3FCFC80906}" type="datetimeFigureOut">
               <a:rPr lang="en-US" smtClean="0"/>
-              <a:t>4/23/15</a:t>
+              <a:t>6/21/15</a:t>
             </a:fld>
             <a:endParaRPr lang="en-US"/>
           </a:p>
@@ -1192,7 +1194,7 @@
           <a:p>
             <a:fld id="{400AC585-FD00-384A-B634-4C3FCFC80906}" type="datetimeFigureOut">
               <a:rPr lang="en-US" smtClean="0"/>
-              <a:t>4/23/15</a:t>
+              <a:t>6/21/15</a:t>
             </a:fld>
             <a:endParaRPr lang="en-US"/>
           </a:p>
@@ -1438,7 +1440,7 @@
           <a:p>
             <a:fld id="{400AC585-FD00-384A-B634-4C3FCFC80906}" type="datetimeFigureOut">
               <a:rPr lang="en-US" smtClean="0"/>
-              <a:t>4/23/15</a:t>
+              <a:t>6/21/15</a:t>
             </a:fld>
             <a:endParaRPr lang="en-US"/>
           </a:p>
@@ -1726,7 +1728,7 @@
           <a:p>
             <a:fld id="{400AC585-FD00-384A-B634-4C3FCFC80906}" type="datetimeFigureOut">
               <a:rPr lang="en-US" smtClean="0"/>
-              <a:t>4/23/15</a:t>
+              <a:t>6/21/15</a:t>
             </a:fld>
             <a:endParaRPr lang="en-US"/>
           </a:p>
@@ -2148,7 +2150,7 @@
           <a:p>
             <a:fld id="{400AC585-FD00-384A-B634-4C3FCFC80906}" type="datetimeFigureOut">
               <a:rPr lang="en-US" smtClean="0"/>
-              <a:t>4/23/15</a:t>
+              <a:t>6/21/15</a:t>
             </a:fld>
             <a:endParaRPr lang="en-US"/>
           </a:p>
@@ -2266,7 +2268,7 @@
           <a:p>
             <a:fld id="{400AC585-FD00-384A-B634-4C3FCFC80906}" type="datetimeFigureOut">
               <a:rPr lang="en-US" smtClean="0"/>
-              <a:t>4/23/15</a:t>
+              <a:t>6/21/15</a:t>
             </a:fld>
             <a:endParaRPr lang="en-US"/>
           </a:p>
@@ -2361,7 +2363,7 @@
           <a:p>
             <a:fld id="{400AC585-FD00-384A-B634-4C3FCFC80906}" type="datetimeFigureOut">
               <a:rPr lang="en-US" smtClean="0"/>
-              <a:t>4/23/15</a:t>
+              <a:t>6/21/15</a:t>
             </a:fld>
             <a:endParaRPr lang="en-US"/>
           </a:p>
@@ -2638,7 +2640,7 @@
           <a:p>
             <a:fld id="{400AC585-FD00-384A-B634-4C3FCFC80906}" type="datetimeFigureOut">
               <a:rPr lang="en-US" smtClean="0"/>
-              <a:t>4/23/15</a:t>
+              <a:t>6/21/15</a:t>
             </a:fld>
             <a:endParaRPr lang="en-US"/>
           </a:p>
@@ -2891,7 +2893,7 @@
           <a:p>
             <a:fld id="{400AC585-FD00-384A-B634-4C3FCFC80906}" type="datetimeFigureOut">
               <a:rPr lang="en-US" smtClean="0"/>
-              <a:t>4/23/15</a:t>
+              <a:t>6/21/15</a:t>
             </a:fld>
             <a:endParaRPr lang="en-US"/>
           </a:p>
@@ -3104,7 +3106,7 @@
           <a:p>
             <a:fld id="{400AC585-FD00-384A-B634-4C3FCFC80906}" type="datetimeFigureOut">
               <a:rPr lang="en-US" smtClean="0"/>
-              <a:t>4/23/15</a:t>
+              <a:t>6/21/15</a:t>
             </a:fld>
             <a:endParaRPr lang="en-US"/>
           </a:p>
@@ -3465,6 +3467,1692 @@
 <file path=ppt/slides/slide1.xml><?xml version="1.0" encoding="utf-8"?>
 <p:sld xmlns:a="http://schemas.openxmlformats.org/drawingml/2006/main" xmlns:r="http://schemas.openxmlformats.org/officeDocument/2006/relationships" xmlns:p="http://schemas.openxmlformats.org/presentationml/2006/main">
   <p:cSld>
+    <p:spTree>
+      <p:nvGrpSpPr>
+        <p:cNvPr id="1" name=""/>
+        <p:cNvGrpSpPr/>
+        <p:nvPr/>
+      </p:nvGrpSpPr>
+      <p:grpSpPr>
+        <a:xfrm>
+          <a:off x="0" y="0"/>
+          <a:ext cx="0" cy="0"/>
+          <a:chOff x="0" y="0"/>
+          <a:chExt cx="0" cy="0"/>
+        </a:xfrm>
+      </p:grpSpPr>
+      <p:sp>
+        <p:nvSpPr>
+          <p:cNvPr id="2" name="Title 1"/>
+          <p:cNvSpPr>
+            <a:spLocks noGrp="1"/>
+          </p:cNvSpPr>
+          <p:nvPr>
+            <p:ph type="title"/>
+          </p:nvPr>
+        </p:nvSpPr>
+        <p:spPr/>
+        <p:txBody>
+          <a:bodyPr/>
+          <a:lstStyle/>
+          <a:p>
+            <a:r>
+              <a:rPr lang="en-US" dirty="0" smtClean="0"/>
+              <a:t>GOOD MORNING!</a:t>
+            </a:r>
+            <a:endParaRPr lang="en-US" dirty="0"/>
+          </a:p>
+        </p:txBody>
+      </p:sp>
+      <p:sp>
+        <p:nvSpPr>
+          <p:cNvPr id="3" name="Content Placeholder 2"/>
+          <p:cNvSpPr>
+            <a:spLocks noGrp="1"/>
+          </p:cNvSpPr>
+          <p:nvPr>
+            <p:ph idx="1"/>
+          </p:nvPr>
+        </p:nvSpPr>
+        <p:spPr/>
+        <p:txBody>
+          <a:bodyPr/>
+          <a:lstStyle/>
+          <a:p>
+            <a:r>
+              <a:rPr lang="en-US" dirty="0" smtClean="0"/>
+              <a:t>Please make a nametag (back table)</a:t>
+            </a:r>
+          </a:p>
+          <a:p>
+            <a:r>
+              <a:rPr lang="en-US" dirty="0" smtClean="0"/>
+              <a:t>Take a </a:t>
+            </a:r>
+            <a:r>
+              <a:rPr lang="en-US" dirty="0" err="1" smtClean="0"/>
+              <a:t>linux</a:t>
+            </a:r>
+            <a:r>
+              <a:rPr lang="en-US" dirty="0" smtClean="0"/>
+              <a:t>/</a:t>
+            </a:r>
+            <a:r>
+              <a:rPr lang="en-US" dirty="0" err="1" smtClean="0"/>
+              <a:t>unix</a:t>
+            </a:r>
+            <a:r>
+              <a:rPr lang="en-US" dirty="0" smtClean="0"/>
+              <a:t> handout (back table)</a:t>
+            </a:r>
+          </a:p>
+          <a:p>
+            <a:r>
+              <a:rPr lang="en-US" dirty="0" smtClean="0"/>
+              <a:t>Take 1 </a:t>
+            </a:r>
+            <a:r>
+              <a:rPr lang="en-US" b="1" dirty="0" smtClean="0">
+                <a:solidFill>
+                  <a:schemeClr val="accent1"/>
+                </a:solidFill>
+              </a:rPr>
+              <a:t>blue</a:t>
+            </a:r>
+            <a:r>
+              <a:rPr lang="en-US" dirty="0" smtClean="0"/>
+              <a:t> and 1 </a:t>
+            </a:r>
+            <a:r>
+              <a:rPr lang="en-US" b="1" dirty="0" smtClean="0">
+                <a:solidFill>
+                  <a:schemeClr val="accent2">
+                    <a:lumMod val="75000"/>
+                  </a:schemeClr>
+                </a:solidFill>
+              </a:rPr>
+              <a:t>pink</a:t>
+            </a:r>
+            <a:r>
+              <a:rPr lang="en-US" dirty="0" smtClean="0"/>
+              <a:t> </a:t>
+            </a:r>
+            <a:r>
+              <a:rPr lang="en-US" dirty="0" err="1" smtClean="0"/>
+              <a:t>stickie</a:t>
+            </a:r>
+            <a:r>
+              <a:rPr lang="en-US" dirty="0" smtClean="0"/>
+              <a:t> (</a:t>
+            </a:r>
+            <a:r>
+              <a:rPr lang="en-US" smtClean="0"/>
+              <a:t>back table)</a:t>
+            </a:r>
+            <a:endParaRPr lang="en-US" dirty="0" smtClean="0"/>
+          </a:p>
+          <a:p>
+            <a:r>
+              <a:rPr lang="en-US" dirty="0" smtClean="0"/>
+              <a:t>If you haven’t already, we need you to fill out the course pre-assessment.  Follow the emailed link to complete. </a:t>
+            </a:r>
+          </a:p>
+          <a:p>
+            <a:pPr lvl="1"/>
+            <a:r>
+              <a:rPr lang="en-US" dirty="0" smtClean="0"/>
+              <a:t>It is totally okay if you don’t know the answers! </a:t>
+            </a:r>
+          </a:p>
+        </p:txBody>
+      </p:sp>
+    </p:spTree>
+    <p:extLst>
+      <p:ext uri="{BB962C8B-B14F-4D97-AF65-F5344CB8AC3E}">
+        <p14:creationId xmlns:p14="http://schemas.microsoft.com/office/powerpoint/2010/main" val="2488174853"/>
+      </p:ext>
+    </p:extLst>
+  </p:cSld>
+  <p:clrMapOvr>
+    <a:masterClrMapping/>
+  </p:clrMapOvr>
+  <p:timing>
+    <p:tnLst>
+      <p:par>
+        <p:cTn xmlns:p14="http://schemas.microsoft.com/office/powerpoint/2010/main" id="1" dur="indefinite" restart="never" nodeType="tmRoot"/>
+      </p:par>
+    </p:tnLst>
+  </p:timing>
+</p:sld>
+</file>
+
+<file path=ppt/slides/slide10.xml><?xml version="1.0" encoding="utf-8"?>
+<p:sld xmlns:a="http://schemas.openxmlformats.org/drawingml/2006/main" xmlns:r="http://schemas.openxmlformats.org/officeDocument/2006/relationships" xmlns:p="http://schemas.openxmlformats.org/presentationml/2006/main">
+  <p:cSld>
+    <p:spTree>
+      <p:nvGrpSpPr>
+        <p:cNvPr id="1" name=""/>
+        <p:cNvGrpSpPr/>
+        <p:nvPr/>
+      </p:nvGrpSpPr>
+      <p:grpSpPr>
+        <a:xfrm>
+          <a:off x="0" y="0"/>
+          <a:ext cx="0" cy="0"/>
+          <a:chOff x="0" y="0"/>
+          <a:chExt cx="0" cy="0"/>
+        </a:xfrm>
+      </p:grpSpPr>
+      <p:sp>
+        <p:nvSpPr>
+          <p:cNvPr id="3" name="Title 2"/>
+          <p:cNvSpPr>
+            <a:spLocks noGrp="1"/>
+          </p:cNvSpPr>
+          <p:nvPr>
+            <p:ph type="title"/>
+          </p:nvPr>
+        </p:nvSpPr>
+        <p:spPr/>
+        <p:txBody>
+          <a:bodyPr/>
+          <a:lstStyle/>
+          <a:p>
+            <a:r>
+              <a:rPr lang="en-US" dirty="0" smtClean="0"/>
+              <a:t>Introductions </a:t>
+            </a:r>
+            <a:endParaRPr lang="en-US" dirty="0"/>
+          </a:p>
+        </p:txBody>
+      </p:sp>
+      <p:sp>
+        <p:nvSpPr>
+          <p:cNvPr id="2" name="Content Placeholder 1"/>
+          <p:cNvSpPr>
+            <a:spLocks noGrp="1"/>
+          </p:cNvSpPr>
+          <p:nvPr>
+            <p:ph idx="1"/>
+          </p:nvPr>
+        </p:nvSpPr>
+        <p:spPr/>
+        <p:txBody>
+          <a:bodyPr>
+            <a:noAutofit/>
+          </a:bodyPr>
+          <a:lstStyle/>
+          <a:p>
+            <a:r>
+              <a:rPr lang="en-US" sz="2400" dirty="0" smtClean="0"/>
+              <a:t>Prof. Ashley Shade - MSU</a:t>
+            </a:r>
+          </a:p>
+          <a:p>
+            <a:r>
+              <a:rPr lang="en-US" sz="2400" dirty="0" smtClean="0"/>
+              <a:t>Dr. Josh Herr </a:t>
+            </a:r>
+            <a:r>
+              <a:rPr lang="en-US" sz="2400" dirty="0" smtClean="0"/>
+              <a:t>– MSU… to Nebrask</a:t>
+            </a:r>
+            <a:r>
+              <a:rPr lang="en-US" sz="2400" dirty="0" smtClean="0"/>
+              <a:t>a!</a:t>
+            </a:r>
+            <a:endParaRPr lang="en-US" sz="2400" dirty="0" smtClean="0"/>
+          </a:p>
+          <a:p>
+            <a:r>
+              <a:rPr lang="en-US" sz="2400" dirty="0" smtClean="0"/>
+              <a:t>Dr. Tracy Teal – Data Carpentry</a:t>
+            </a:r>
+            <a:endParaRPr lang="en-US" sz="2400" dirty="0" smtClean="0"/>
+          </a:p>
+          <a:p>
+            <a:endParaRPr lang="en-US" sz="2400" dirty="0"/>
+          </a:p>
+          <a:p>
+            <a:r>
+              <a:rPr lang="en-US" sz="2400" dirty="0"/>
+              <a:t>Dr. Jin </a:t>
+            </a:r>
+            <a:r>
+              <a:rPr lang="en-US" sz="2400" dirty="0" smtClean="0"/>
+              <a:t>Choi  - Iowa State</a:t>
+            </a:r>
+          </a:p>
+          <a:p>
+            <a:r>
+              <a:rPr lang="en-US" sz="2400" dirty="0" smtClean="0"/>
+              <a:t>Siobhan Cusack  - MSU </a:t>
+            </a:r>
+          </a:p>
+          <a:p>
+            <a:r>
+              <a:rPr lang="en-US" sz="2400" dirty="0" smtClean="0"/>
+              <a:t>Dr. Sang-</a:t>
+            </a:r>
+            <a:r>
+              <a:rPr lang="en-US" sz="2400" dirty="0" err="1" smtClean="0"/>
+              <a:t>Hoon</a:t>
+            </a:r>
+            <a:r>
+              <a:rPr lang="en-US" sz="2400" dirty="0" smtClean="0"/>
+              <a:t> Lee – MSU &amp; Korea University</a:t>
+            </a:r>
+          </a:p>
+          <a:p>
+            <a:r>
+              <a:rPr lang="en-US" sz="2400" dirty="0" smtClean="0"/>
+              <a:t>Jackson Sorensen - MSU</a:t>
+            </a:r>
+          </a:p>
+          <a:p>
+            <a:r>
+              <a:rPr lang="en-US" sz="2400" dirty="0" smtClean="0"/>
+              <a:t>Paul Wilburn –KBS local – ask him for the insider’s </a:t>
+            </a:r>
+            <a:r>
+              <a:rPr lang="en-US" sz="2400" dirty="0" smtClean="0"/>
+              <a:t>scoop, and tours!</a:t>
+            </a:r>
+            <a:endParaRPr lang="en-US" sz="2400" dirty="0" smtClean="0"/>
+          </a:p>
+          <a:p>
+            <a:pPr marL="0" indent="0">
+              <a:buNone/>
+            </a:pPr>
+            <a:endParaRPr lang="en-US" dirty="0" smtClean="0"/>
+          </a:p>
+          <a:p>
+            <a:endParaRPr lang="en-US" dirty="0" smtClean="0"/>
+          </a:p>
+          <a:p>
+            <a:endParaRPr lang="en-US" dirty="0" smtClean="0"/>
+          </a:p>
+        </p:txBody>
+      </p:sp>
+    </p:spTree>
+    <p:extLst>
+      <p:ext uri="{BB962C8B-B14F-4D97-AF65-F5344CB8AC3E}">
+        <p14:creationId xmlns:p14="http://schemas.microsoft.com/office/powerpoint/2010/main" val="3806694127"/>
+      </p:ext>
+    </p:extLst>
+  </p:cSld>
+  <p:clrMapOvr>
+    <a:masterClrMapping/>
+  </p:clrMapOvr>
+  <p:timing>
+    <p:tnLst>
+      <p:par>
+        <p:cTn xmlns:p14="http://schemas.microsoft.com/office/powerpoint/2010/main" id="1" dur="indefinite" restart="never" nodeType="tmRoot"/>
+      </p:par>
+    </p:tnLst>
+  </p:timing>
+</p:sld>
+</file>
+
+<file path=ppt/slides/slide11.xml><?xml version="1.0" encoding="utf-8"?>
+<p:sld xmlns:a="http://schemas.openxmlformats.org/drawingml/2006/main" xmlns:r="http://schemas.openxmlformats.org/officeDocument/2006/relationships" xmlns:p="http://schemas.openxmlformats.org/presentationml/2006/main">
+  <p:cSld>
+    <p:spTree>
+      <p:nvGrpSpPr>
+        <p:cNvPr id="1" name=""/>
+        <p:cNvGrpSpPr/>
+        <p:nvPr/>
+      </p:nvGrpSpPr>
+      <p:grpSpPr>
+        <a:xfrm>
+          <a:off x="0" y="0"/>
+          <a:ext cx="0" cy="0"/>
+          <a:chOff x="0" y="0"/>
+          <a:chExt cx="0" cy="0"/>
+        </a:xfrm>
+      </p:grpSpPr>
+      <p:sp>
+        <p:nvSpPr>
+          <p:cNvPr id="3" name="Title 2"/>
+          <p:cNvSpPr>
+            <a:spLocks noGrp="1"/>
+          </p:cNvSpPr>
+          <p:nvPr>
+            <p:ph type="title"/>
+          </p:nvPr>
+        </p:nvSpPr>
+        <p:spPr>
+          <a:xfrm>
+            <a:off x="457200" y="198806"/>
+            <a:ext cx="8229600" cy="1143000"/>
+          </a:xfrm>
+        </p:spPr>
+        <p:txBody>
+          <a:bodyPr/>
+          <a:lstStyle/>
+          <a:p>
+            <a:r>
+              <a:rPr lang="en-US" dirty="0" smtClean="0"/>
+              <a:t>Our Esteemed Guest Lecturers</a:t>
+            </a:r>
+            <a:endParaRPr lang="en-US" dirty="0"/>
+          </a:p>
+        </p:txBody>
+      </p:sp>
+      <p:sp>
+        <p:nvSpPr>
+          <p:cNvPr id="2" name="Content Placeholder 1"/>
+          <p:cNvSpPr>
+            <a:spLocks noGrp="1"/>
+          </p:cNvSpPr>
+          <p:nvPr>
+            <p:ph idx="1"/>
+          </p:nvPr>
+        </p:nvSpPr>
+        <p:spPr>
+          <a:xfrm>
+            <a:off x="457200" y="1146023"/>
+            <a:ext cx="8229600" cy="4525963"/>
+          </a:xfrm>
+        </p:spPr>
+        <p:txBody>
+          <a:bodyPr>
+            <a:noAutofit/>
+          </a:bodyPr>
+          <a:lstStyle/>
+          <a:p>
+            <a:r>
+              <a:rPr lang="en-US" sz="2800" dirty="0" smtClean="0"/>
+              <a:t>Pat </a:t>
+            </a:r>
+            <a:r>
+              <a:rPr lang="en-US" sz="2800" dirty="0" err="1" smtClean="0"/>
+              <a:t>Schloss</a:t>
+            </a:r>
+            <a:r>
+              <a:rPr lang="en-US" sz="2800" dirty="0"/>
+              <a:t> </a:t>
+            </a:r>
+            <a:r>
+              <a:rPr lang="en-US" sz="2800" dirty="0" smtClean="0"/>
+              <a:t>Team</a:t>
+            </a:r>
+            <a:r>
+              <a:rPr lang="en-US" sz="2800" dirty="0" smtClean="0"/>
+              <a:t> </a:t>
+            </a:r>
+            <a:r>
+              <a:rPr lang="en-US" sz="2800" dirty="0" smtClean="0"/>
+              <a:t>		University of Michigan</a:t>
+            </a:r>
+          </a:p>
+          <a:p>
+            <a:r>
+              <a:rPr lang="en-US" sz="2800" dirty="0" smtClean="0"/>
+              <a:t>Jay Lennon	 	</a:t>
+            </a:r>
+            <a:r>
+              <a:rPr lang="en-US" sz="2800" dirty="0" smtClean="0"/>
+              <a:t>		Indiana </a:t>
+            </a:r>
+            <a:r>
+              <a:rPr lang="en-US" sz="2800" dirty="0" smtClean="0"/>
+              <a:t>University</a:t>
+            </a:r>
+          </a:p>
+          <a:p>
+            <a:r>
+              <a:rPr lang="en-US" sz="2800" dirty="0" smtClean="0"/>
+              <a:t>Stuart Jones 		</a:t>
+            </a:r>
+            <a:r>
+              <a:rPr lang="en-US" sz="2800" dirty="0" smtClean="0"/>
+              <a:t>		University </a:t>
+            </a:r>
+            <a:r>
+              <a:rPr lang="en-US" sz="2800" dirty="0" smtClean="0"/>
+              <a:t>of Notre Dame</a:t>
+            </a:r>
+          </a:p>
+          <a:p>
+            <a:r>
+              <a:rPr lang="en-US" sz="2800" dirty="0" smtClean="0"/>
+              <a:t>Jim </a:t>
+            </a:r>
+            <a:r>
+              <a:rPr lang="en-US" sz="2800" dirty="0" err="1" smtClean="0"/>
+              <a:t>Tiedje</a:t>
+            </a:r>
+            <a:r>
+              <a:rPr lang="en-US" sz="2800" dirty="0" smtClean="0"/>
+              <a:t> 		</a:t>
+            </a:r>
+            <a:r>
+              <a:rPr lang="en-US" sz="2800" dirty="0" smtClean="0"/>
+              <a:t>		Michigan </a:t>
+            </a:r>
+            <a:r>
+              <a:rPr lang="en-US" sz="2800" dirty="0" smtClean="0"/>
+              <a:t>State University</a:t>
+            </a:r>
+          </a:p>
+          <a:p>
+            <a:r>
+              <a:rPr lang="en-US" sz="2800" dirty="0" smtClean="0"/>
+              <a:t>Jim Cole 			</a:t>
+            </a:r>
+            <a:r>
+              <a:rPr lang="en-US" sz="2800" dirty="0" smtClean="0"/>
+              <a:t>		Michigan </a:t>
+            </a:r>
+            <a:r>
+              <a:rPr lang="en-US" sz="2800" dirty="0" smtClean="0"/>
+              <a:t>State </a:t>
+            </a:r>
+            <a:r>
+              <a:rPr lang="en-US" sz="2800" dirty="0" smtClean="0"/>
+              <a:t>University</a:t>
+            </a:r>
+          </a:p>
+          <a:p>
+            <a:r>
+              <a:rPr lang="en-US" sz="2800" dirty="0" err="1" smtClean="0"/>
+              <a:t>Qiong</a:t>
+            </a:r>
+            <a:r>
+              <a:rPr lang="en-US" sz="2800" dirty="0" smtClean="0"/>
+              <a:t> Wang				Michigan State University</a:t>
+            </a:r>
+            <a:endParaRPr lang="en-US" sz="2800" dirty="0" smtClean="0"/>
+          </a:p>
+          <a:p>
+            <a:r>
+              <a:rPr lang="en-US" sz="2800" dirty="0" smtClean="0"/>
+              <a:t>Vince Young		</a:t>
+            </a:r>
+            <a:r>
+              <a:rPr lang="en-US" sz="2800" dirty="0" smtClean="0"/>
+              <a:t>		University </a:t>
+            </a:r>
+            <a:r>
+              <a:rPr lang="en-US" sz="2800" dirty="0" smtClean="0"/>
+              <a:t>of Michigan</a:t>
+            </a:r>
+          </a:p>
+          <a:p>
+            <a:r>
+              <a:rPr lang="en-US" sz="2800" dirty="0" err="1" smtClean="0"/>
+              <a:t>Ariane</a:t>
+            </a:r>
+            <a:r>
+              <a:rPr lang="en-US" sz="2800" dirty="0" smtClean="0"/>
+              <a:t> Peralta 	</a:t>
+            </a:r>
+            <a:r>
+              <a:rPr lang="en-US" sz="2800" dirty="0" smtClean="0"/>
+              <a:t>		East </a:t>
+            </a:r>
+            <a:r>
+              <a:rPr lang="en-US" sz="2800" dirty="0" smtClean="0"/>
+              <a:t>Carolina University</a:t>
+            </a:r>
+          </a:p>
+          <a:p>
+            <a:r>
+              <a:rPr lang="en-US" sz="2800" dirty="0" smtClean="0"/>
+              <a:t>Vincent </a:t>
+            </a:r>
+            <a:r>
+              <a:rPr lang="en-US" sz="2800" dirty="0" err="1" smtClean="0"/>
+              <a:t>Denef</a:t>
+            </a:r>
+            <a:r>
+              <a:rPr lang="en-US" sz="2800" dirty="0" smtClean="0"/>
+              <a:t> 	</a:t>
+            </a:r>
+            <a:r>
+              <a:rPr lang="en-US" sz="2800" dirty="0" smtClean="0"/>
+              <a:t>		University </a:t>
+            </a:r>
+            <a:r>
+              <a:rPr lang="en-US" sz="2800" dirty="0" smtClean="0"/>
+              <a:t>of Michigan</a:t>
+            </a:r>
+          </a:p>
+          <a:p>
+            <a:r>
+              <a:rPr lang="en-US" sz="2800" dirty="0" smtClean="0"/>
+              <a:t>Sarah Evans  		</a:t>
+            </a:r>
+            <a:r>
+              <a:rPr lang="en-US" sz="2800" dirty="0" smtClean="0"/>
+              <a:t>		Kellogg </a:t>
+            </a:r>
+            <a:r>
+              <a:rPr lang="en-US" sz="2800" dirty="0" smtClean="0"/>
+              <a:t>Biological Station</a:t>
+            </a:r>
+          </a:p>
+          <a:p>
+            <a:r>
+              <a:rPr lang="en-US" sz="2800" dirty="0" smtClean="0"/>
+              <a:t>Matt </a:t>
+            </a:r>
+            <a:r>
+              <a:rPr lang="en-US" sz="2800" dirty="0" err="1" smtClean="0"/>
+              <a:t>Scholz</a:t>
+            </a:r>
+            <a:r>
+              <a:rPr lang="en-US" sz="2800" dirty="0" smtClean="0"/>
+              <a:t> 		</a:t>
+            </a:r>
+            <a:r>
+              <a:rPr lang="en-US" sz="2800" dirty="0" smtClean="0"/>
+              <a:t>		MSU </a:t>
+            </a:r>
+            <a:r>
+              <a:rPr lang="en-US" sz="2800" dirty="0" smtClean="0"/>
+              <a:t>HPCC</a:t>
+            </a:r>
+          </a:p>
+        </p:txBody>
+      </p:sp>
+    </p:spTree>
+    <p:extLst>
+      <p:ext uri="{BB962C8B-B14F-4D97-AF65-F5344CB8AC3E}">
+        <p14:creationId xmlns:p14="http://schemas.microsoft.com/office/powerpoint/2010/main" val="3186488360"/>
+      </p:ext>
+    </p:extLst>
+  </p:cSld>
+  <p:clrMapOvr>
+    <a:masterClrMapping/>
+  </p:clrMapOvr>
+  <p:timing>
+    <p:tnLst>
+      <p:par>
+        <p:cTn xmlns:p14="http://schemas.microsoft.com/office/powerpoint/2010/main" id="1" dur="indefinite" restart="never" nodeType="tmRoot"/>
+      </p:par>
+    </p:tnLst>
+  </p:timing>
+</p:sld>
+</file>
+
+<file path=ppt/slides/slide12.xml><?xml version="1.0" encoding="utf-8"?>
+<p:sld xmlns:a="http://schemas.openxmlformats.org/drawingml/2006/main" xmlns:r="http://schemas.openxmlformats.org/officeDocument/2006/relationships" xmlns:p="http://schemas.openxmlformats.org/presentationml/2006/main">
+  <p:cSld>
+    <p:spTree>
+      <p:nvGrpSpPr>
+        <p:cNvPr id="1" name=""/>
+        <p:cNvGrpSpPr/>
+        <p:nvPr/>
+      </p:nvGrpSpPr>
+      <p:grpSpPr>
+        <a:xfrm>
+          <a:off x="0" y="0"/>
+          <a:ext cx="0" cy="0"/>
+          <a:chOff x="0" y="0"/>
+          <a:chExt cx="0" cy="0"/>
+        </a:xfrm>
+      </p:grpSpPr>
+      <p:sp>
+        <p:nvSpPr>
+          <p:cNvPr id="2" name="Title 1"/>
+          <p:cNvSpPr>
+            <a:spLocks noGrp="1"/>
+          </p:cNvSpPr>
+          <p:nvPr>
+            <p:ph type="title"/>
+          </p:nvPr>
+        </p:nvSpPr>
+        <p:spPr/>
+        <p:txBody>
+          <a:bodyPr/>
+          <a:lstStyle/>
+          <a:p>
+            <a:r>
+              <a:rPr lang="en-US" dirty="0" smtClean="0"/>
+              <a:t>Food and drink</a:t>
+            </a:r>
+            <a:endParaRPr lang="en-US" dirty="0"/>
+          </a:p>
+        </p:txBody>
+      </p:sp>
+      <p:sp>
+        <p:nvSpPr>
+          <p:cNvPr id="3" name="Content Placeholder 2"/>
+          <p:cNvSpPr>
+            <a:spLocks noGrp="1"/>
+          </p:cNvSpPr>
+          <p:nvPr>
+            <p:ph idx="1"/>
+          </p:nvPr>
+        </p:nvSpPr>
+        <p:spPr>
+          <a:xfrm>
+            <a:off x="457200" y="1865612"/>
+            <a:ext cx="8229600" cy="4525963"/>
+          </a:xfrm>
+        </p:spPr>
+        <p:txBody>
+          <a:bodyPr>
+            <a:normAutofit/>
+          </a:bodyPr>
+          <a:lstStyle/>
+          <a:p>
+            <a:r>
+              <a:rPr lang="en-US" sz="2400" dirty="0" smtClean="0"/>
+              <a:t>Most meals will be at the KBS dining hall.  Over the weekend they will be closed for a few meals.  We will arrange for group meals; please do your part to chip in – we’ll keep the cost as economical as possible</a:t>
+            </a:r>
+            <a:r>
+              <a:rPr lang="en-US" sz="2400" dirty="0" smtClean="0"/>
+              <a:t>.</a:t>
+            </a:r>
+          </a:p>
+          <a:p>
+            <a:r>
+              <a:rPr lang="en-US" sz="2400" dirty="0" smtClean="0"/>
+              <a:t>Snacks !</a:t>
+            </a:r>
+            <a:endParaRPr lang="en-US" sz="2000" dirty="0" smtClean="0"/>
+          </a:p>
+          <a:p>
+            <a:endParaRPr lang="en-US" sz="2400" dirty="0"/>
+          </a:p>
+          <a:p>
+            <a:endParaRPr lang="en-US" sz="2400" dirty="0"/>
+          </a:p>
+          <a:p>
+            <a:r>
+              <a:rPr lang="en-US" sz="2400" dirty="0" smtClean="0"/>
+              <a:t>We can also make group arrangements to head to “town” – check with one of the </a:t>
+            </a:r>
+            <a:r>
+              <a:rPr lang="en-US" sz="2400" dirty="0" err="1" smtClean="0"/>
+              <a:t>TAs.</a:t>
+            </a:r>
+            <a:r>
+              <a:rPr lang="en-US" sz="2400" dirty="0"/>
+              <a:t> You might want to head to the market on your own.  Kalamazoo is not too far away.</a:t>
+            </a:r>
+          </a:p>
+          <a:p>
+            <a:endParaRPr lang="en-US" sz="2400" dirty="0" smtClean="0"/>
+          </a:p>
+        </p:txBody>
+      </p:sp>
+    </p:spTree>
+    <p:extLst>
+      <p:ext uri="{BB962C8B-B14F-4D97-AF65-F5344CB8AC3E}">
+        <p14:creationId xmlns:p14="http://schemas.microsoft.com/office/powerpoint/2010/main" val="1147128375"/>
+      </p:ext>
+    </p:extLst>
+  </p:cSld>
+  <p:clrMapOvr>
+    <a:masterClrMapping/>
+  </p:clrMapOvr>
+  <p:timing>
+    <p:tnLst>
+      <p:par>
+        <p:cTn xmlns:p14="http://schemas.microsoft.com/office/powerpoint/2010/main" id="1" dur="indefinite" restart="never" nodeType="tmRoot"/>
+      </p:par>
+    </p:tnLst>
+  </p:timing>
+</p:sld>
+</file>
+
+<file path=ppt/slides/slide13.xml><?xml version="1.0" encoding="utf-8"?>
+<p:sld xmlns:a="http://schemas.openxmlformats.org/drawingml/2006/main" xmlns:r="http://schemas.openxmlformats.org/officeDocument/2006/relationships" xmlns:p="http://schemas.openxmlformats.org/presentationml/2006/main">
+  <p:cSld>
+    <p:spTree>
+      <p:nvGrpSpPr>
+        <p:cNvPr id="1" name=""/>
+        <p:cNvGrpSpPr/>
+        <p:nvPr/>
+      </p:nvGrpSpPr>
+      <p:grpSpPr>
+        <a:xfrm>
+          <a:off x="0" y="0"/>
+          <a:ext cx="0" cy="0"/>
+          <a:chOff x="0" y="0"/>
+          <a:chExt cx="0" cy="0"/>
+        </a:xfrm>
+      </p:grpSpPr>
+      <p:sp>
+        <p:nvSpPr>
+          <p:cNvPr id="2" name="Title 1"/>
+          <p:cNvSpPr>
+            <a:spLocks noGrp="1"/>
+          </p:cNvSpPr>
+          <p:nvPr>
+            <p:ph type="title"/>
+          </p:nvPr>
+        </p:nvSpPr>
+        <p:spPr>
+          <a:xfrm>
+            <a:off x="457200" y="152718"/>
+            <a:ext cx="8365038" cy="981304"/>
+          </a:xfrm>
+        </p:spPr>
+        <p:txBody>
+          <a:bodyPr/>
+          <a:lstStyle/>
+          <a:p>
+            <a:r>
+              <a:rPr lang="en-US" dirty="0" smtClean="0"/>
+              <a:t>Recreational stuff</a:t>
+            </a:r>
+            <a:endParaRPr lang="en-US" dirty="0"/>
+          </a:p>
+        </p:txBody>
+      </p:sp>
+      <p:sp>
+        <p:nvSpPr>
+          <p:cNvPr id="3" name="Content Placeholder 2"/>
+          <p:cNvSpPr>
+            <a:spLocks noGrp="1"/>
+          </p:cNvSpPr>
+          <p:nvPr>
+            <p:ph idx="1"/>
+          </p:nvPr>
+        </p:nvSpPr>
+        <p:spPr>
+          <a:xfrm>
+            <a:off x="362420" y="1349488"/>
+            <a:ext cx="8888210" cy="4776676"/>
+          </a:xfrm>
+        </p:spPr>
+        <p:txBody>
+          <a:bodyPr>
+            <a:noAutofit/>
+          </a:bodyPr>
+          <a:lstStyle/>
+          <a:p>
+            <a:r>
+              <a:rPr lang="en-US" dirty="0" smtClean="0"/>
+              <a:t>Some options at KBS are volleyball, </a:t>
+            </a:r>
+            <a:r>
+              <a:rPr lang="en-US" dirty="0" err="1" smtClean="0"/>
+              <a:t>frisbee</a:t>
+            </a:r>
+            <a:r>
+              <a:rPr lang="en-US" dirty="0" smtClean="0"/>
+              <a:t>, </a:t>
+            </a:r>
+            <a:r>
+              <a:rPr lang="en-US" dirty="0" err="1" smtClean="0"/>
+              <a:t>bocci</a:t>
+            </a:r>
+            <a:r>
+              <a:rPr lang="en-US" dirty="0" smtClean="0"/>
+              <a:t> </a:t>
+            </a:r>
+            <a:r>
+              <a:rPr lang="en-US" dirty="0" smtClean="0"/>
+              <a:t>ball</a:t>
+            </a:r>
+            <a:r>
+              <a:rPr lang="en-US" dirty="0" smtClean="0"/>
+              <a:t>, swimming</a:t>
+            </a:r>
+            <a:endParaRPr lang="en-US" dirty="0" smtClean="0"/>
+          </a:p>
+          <a:p>
+            <a:r>
+              <a:rPr lang="en-US" dirty="0" smtClean="0"/>
+              <a:t>You may have to check with the KBS office for some of the options.</a:t>
+            </a:r>
+          </a:p>
+          <a:p>
+            <a:r>
+              <a:rPr lang="en-US" dirty="0" smtClean="0"/>
+              <a:t>There</a:t>
+            </a:r>
+            <a:r>
+              <a:rPr lang="en-US" dirty="0"/>
+              <a:t> </a:t>
+            </a:r>
+            <a:r>
+              <a:rPr lang="en-US" dirty="0" smtClean="0"/>
+              <a:t>are good places to run, to swim, to hike, to bike, to fish, to </a:t>
+            </a:r>
+            <a:r>
+              <a:rPr lang="en-US" dirty="0" smtClean="0"/>
+              <a:t>boat</a:t>
+            </a:r>
+            <a:endParaRPr lang="en-US" dirty="0" smtClean="0"/>
+          </a:p>
+          <a:p>
+            <a:r>
+              <a:rPr lang="en-US" dirty="0" smtClean="0"/>
+              <a:t>There is also a few laundry </a:t>
+            </a:r>
+            <a:r>
+              <a:rPr lang="en-US" dirty="0" smtClean="0"/>
+              <a:t>rooms; we have a few pods of detergent</a:t>
+            </a:r>
+            <a:endParaRPr lang="en-US" dirty="0"/>
+          </a:p>
+        </p:txBody>
+      </p:sp>
+    </p:spTree>
+    <p:extLst>
+      <p:ext uri="{BB962C8B-B14F-4D97-AF65-F5344CB8AC3E}">
+        <p14:creationId xmlns:p14="http://schemas.microsoft.com/office/powerpoint/2010/main" val="1257491872"/>
+      </p:ext>
+    </p:extLst>
+  </p:cSld>
+  <p:clrMapOvr>
+    <a:masterClrMapping/>
+  </p:clrMapOvr>
+  <p:timing>
+    <p:tnLst>
+      <p:par>
+        <p:cTn xmlns:p14="http://schemas.microsoft.com/office/powerpoint/2010/main" id="1" dur="indefinite" restart="never" nodeType="tmRoot"/>
+      </p:par>
+    </p:tnLst>
+  </p:timing>
+</p:sld>
+</file>
+
+<file path=ppt/slides/slide14.xml><?xml version="1.0" encoding="utf-8"?>
+<p:sld xmlns:a="http://schemas.openxmlformats.org/drawingml/2006/main" xmlns:r="http://schemas.openxmlformats.org/officeDocument/2006/relationships" xmlns:p="http://schemas.openxmlformats.org/presentationml/2006/main">
+  <p:cSld>
+    <p:spTree>
+      <p:nvGrpSpPr>
+        <p:cNvPr id="1" name=""/>
+        <p:cNvGrpSpPr/>
+        <p:nvPr/>
+      </p:nvGrpSpPr>
+      <p:grpSpPr>
+        <a:xfrm>
+          <a:off x="0" y="0"/>
+          <a:ext cx="0" cy="0"/>
+          <a:chOff x="0" y="0"/>
+          <a:chExt cx="0" cy="0"/>
+        </a:xfrm>
+      </p:grpSpPr>
+      <p:sp>
+        <p:nvSpPr>
+          <p:cNvPr id="2" name="Title 1"/>
+          <p:cNvSpPr>
+            <a:spLocks noGrp="1"/>
+          </p:cNvSpPr>
+          <p:nvPr>
+            <p:ph type="title"/>
+          </p:nvPr>
+        </p:nvSpPr>
+        <p:spPr/>
+        <p:txBody>
+          <a:bodyPr/>
+          <a:lstStyle/>
+          <a:p>
+            <a:r>
+              <a:rPr lang="en-US" dirty="0" smtClean="0"/>
+              <a:t>WIFI</a:t>
+            </a:r>
+            <a:endParaRPr lang="en-US" dirty="0"/>
+          </a:p>
+        </p:txBody>
+      </p:sp>
+      <p:sp>
+        <p:nvSpPr>
+          <p:cNvPr id="3" name="Content Placeholder 2"/>
+          <p:cNvSpPr>
+            <a:spLocks noGrp="1"/>
+          </p:cNvSpPr>
+          <p:nvPr>
+            <p:ph idx="1"/>
+          </p:nvPr>
+        </p:nvSpPr>
+        <p:spPr/>
+        <p:txBody>
+          <a:bodyPr/>
+          <a:lstStyle/>
+          <a:p>
+            <a:r>
+              <a:rPr lang="en-US" dirty="0" err="1" smtClean="0"/>
+              <a:t>MSUnet</a:t>
+            </a:r>
+            <a:r>
+              <a:rPr lang="en-US" dirty="0" smtClean="0"/>
+              <a:t> Guest 3.0</a:t>
+            </a:r>
+            <a:endParaRPr lang="en-US" dirty="0"/>
+          </a:p>
+        </p:txBody>
+      </p:sp>
+    </p:spTree>
+    <p:extLst>
+      <p:ext uri="{BB962C8B-B14F-4D97-AF65-F5344CB8AC3E}">
+        <p14:creationId xmlns:p14="http://schemas.microsoft.com/office/powerpoint/2010/main" val="1307614328"/>
+      </p:ext>
+    </p:extLst>
+  </p:cSld>
+  <p:clrMapOvr>
+    <a:masterClrMapping/>
+  </p:clrMapOvr>
+</p:sld>
+</file>
+
+<file path=ppt/slides/slide15.xml><?xml version="1.0" encoding="utf-8"?>
+<p:sld xmlns:a="http://schemas.openxmlformats.org/drawingml/2006/main" xmlns:r="http://schemas.openxmlformats.org/officeDocument/2006/relationships" xmlns:p="http://schemas.openxmlformats.org/presentationml/2006/main">
+  <p:cSld>
+    <p:spTree>
+      <p:nvGrpSpPr>
+        <p:cNvPr id="1" name=""/>
+        <p:cNvGrpSpPr/>
+        <p:nvPr/>
+      </p:nvGrpSpPr>
+      <p:grpSpPr>
+        <a:xfrm>
+          <a:off x="0" y="0"/>
+          <a:ext cx="0" cy="0"/>
+          <a:chOff x="0" y="0"/>
+          <a:chExt cx="0" cy="0"/>
+        </a:xfrm>
+      </p:grpSpPr>
+      <p:sp>
+        <p:nvSpPr>
+          <p:cNvPr id="2" name="Title 1"/>
+          <p:cNvSpPr>
+            <a:spLocks noGrp="1"/>
+          </p:cNvSpPr>
+          <p:nvPr>
+            <p:ph type="title"/>
+          </p:nvPr>
+        </p:nvSpPr>
+        <p:spPr/>
+        <p:txBody>
+          <a:bodyPr/>
+          <a:lstStyle/>
+          <a:p>
+            <a:r>
+              <a:rPr lang="en-US" dirty="0" smtClean="0"/>
+              <a:t>Red</a:t>
+            </a:r>
+            <a:r>
+              <a:rPr lang="en-US" dirty="0" smtClean="0"/>
+              <a:t>/Green </a:t>
+            </a:r>
+            <a:r>
+              <a:rPr lang="en-US" dirty="0" err="1" smtClean="0"/>
+              <a:t>stickies</a:t>
+            </a:r>
+            <a:r>
+              <a:rPr lang="en-US" dirty="0" smtClean="0"/>
+              <a:t>...</a:t>
+            </a:r>
+            <a:endParaRPr lang="en-US" dirty="0"/>
+          </a:p>
+        </p:txBody>
+      </p:sp>
+      <p:sp>
+        <p:nvSpPr>
+          <p:cNvPr id="3" name="Content Placeholder 2"/>
+          <p:cNvSpPr>
+            <a:spLocks noGrp="1"/>
+          </p:cNvSpPr>
+          <p:nvPr>
+            <p:ph idx="1"/>
+          </p:nvPr>
+        </p:nvSpPr>
+        <p:spPr/>
+        <p:txBody>
+          <a:bodyPr>
+            <a:normAutofit fontScale="92500" lnSpcReduction="10000"/>
+          </a:bodyPr>
+          <a:lstStyle/>
+          <a:p>
+            <a:r>
+              <a:rPr lang="en-US" sz="2800" dirty="0" smtClean="0"/>
+              <a:t>Red sticky means “I am in need of help...”; Green means “I’m doing ok”</a:t>
+            </a:r>
+          </a:p>
+          <a:p>
+            <a:pPr marL="0" indent="0">
+              <a:buNone/>
+            </a:pPr>
+            <a:endParaRPr lang="en-US" sz="2800" dirty="0"/>
+          </a:p>
+          <a:p>
+            <a:r>
+              <a:rPr lang="en-US" sz="2800" dirty="0" smtClean="0"/>
+              <a:t>You don’t have to use them all the time, but we may ask some of you to put them up so we can get an assessment of where we are at as a group.</a:t>
+            </a:r>
+          </a:p>
+          <a:p>
+            <a:pPr marL="0" indent="0">
+              <a:buNone/>
+            </a:pPr>
+            <a:endParaRPr lang="en-US" sz="2800" dirty="0" smtClean="0"/>
+          </a:p>
+          <a:p>
+            <a:r>
+              <a:rPr lang="en-US" sz="2800" dirty="0" smtClean="0"/>
+              <a:t>Before Lunch and before afternoon break, we will collect “minute notes” for anonymous feedback about how you’re doing.  Red for a question/complaint and Green for a complement</a:t>
+            </a:r>
+            <a:endParaRPr lang="en-US" sz="2800" dirty="0"/>
+          </a:p>
+        </p:txBody>
+      </p:sp>
+    </p:spTree>
+    <p:extLst>
+      <p:ext uri="{BB962C8B-B14F-4D97-AF65-F5344CB8AC3E}">
+        <p14:creationId xmlns:p14="http://schemas.microsoft.com/office/powerpoint/2010/main" val="2975063826"/>
+      </p:ext>
+    </p:extLst>
+  </p:cSld>
+  <p:clrMapOvr>
+    <a:masterClrMapping/>
+  </p:clrMapOvr>
+  <p:timing>
+    <p:tnLst>
+      <p:par>
+        <p:cTn xmlns:p14="http://schemas.microsoft.com/office/powerpoint/2010/main" id="1" dur="indefinite" restart="never" nodeType="tmRoot"/>
+      </p:par>
+    </p:tnLst>
+  </p:timing>
+</p:sld>
+</file>
+
+<file path=ppt/slides/slide16.xml><?xml version="1.0" encoding="utf-8"?>
+<p:sld xmlns:a="http://schemas.openxmlformats.org/drawingml/2006/main" xmlns:r="http://schemas.openxmlformats.org/officeDocument/2006/relationships" xmlns:p="http://schemas.openxmlformats.org/presentationml/2006/main">
+  <p:cSld>
+    <p:spTree>
+      <p:nvGrpSpPr>
+        <p:cNvPr id="1" name=""/>
+        <p:cNvGrpSpPr/>
+        <p:nvPr/>
+      </p:nvGrpSpPr>
+      <p:grpSpPr>
+        <a:xfrm>
+          <a:off x="0" y="0"/>
+          <a:ext cx="0" cy="0"/>
+          <a:chOff x="0" y="0"/>
+          <a:chExt cx="0" cy="0"/>
+        </a:xfrm>
+      </p:grpSpPr>
+      <p:sp>
+        <p:nvSpPr>
+          <p:cNvPr id="2" name="Title 1"/>
+          <p:cNvSpPr>
+            <a:spLocks noGrp="1"/>
+          </p:cNvSpPr>
+          <p:nvPr>
+            <p:ph type="title"/>
+          </p:nvPr>
+        </p:nvSpPr>
+        <p:spPr/>
+        <p:txBody>
+          <a:bodyPr/>
+          <a:lstStyle/>
+          <a:p>
+            <a:r>
+              <a:rPr lang="en-US" dirty="0" smtClean="0"/>
+              <a:t>Web and social media</a:t>
+            </a:r>
+            <a:endParaRPr lang="en-US" dirty="0"/>
+          </a:p>
+        </p:txBody>
+      </p:sp>
+      <p:sp>
+        <p:nvSpPr>
+          <p:cNvPr id="3" name="Content Placeholder 2"/>
+          <p:cNvSpPr>
+            <a:spLocks noGrp="1"/>
+          </p:cNvSpPr>
+          <p:nvPr>
+            <p:ph idx="1"/>
+          </p:nvPr>
+        </p:nvSpPr>
+        <p:spPr/>
+        <p:txBody>
+          <a:bodyPr>
+            <a:normAutofit fontScale="85000" lnSpcReduction="20000"/>
+          </a:bodyPr>
+          <a:lstStyle/>
+          <a:p>
+            <a:pPr marL="0" indent="0">
+              <a:buNone/>
+            </a:pPr>
+            <a:endParaRPr lang="en-US" sz="2400" dirty="0" smtClean="0"/>
+          </a:p>
+          <a:p>
+            <a:r>
+              <a:rPr lang="en-US" sz="2400" dirty="0" smtClean="0"/>
+              <a:t>All the tutorials are on our </a:t>
+            </a:r>
+            <a:r>
+              <a:rPr lang="en-US" sz="2400" dirty="0" err="1" smtClean="0"/>
+              <a:t>github</a:t>
+            </a:r>
+            <a:r>
+              <a:rPr lang="en-US" sz="2400" dirty="0" smtClean="0"/>
+              <a:t> wiki and will be updated as we go: </a:t>
+            </a:r>
+            <a:r>
+              <a:rPr lang="en-US" sz="2400" dirty="0"/>
+              <a:t> </a:t>
+            </a:r>
+            <a:r>
+              <a:rPr lang="en-US" sz="2400" dirty="0" smtClean="0">
+                <a:hlinkClick r:id="rId2"/>
+              </a:rPr>
+              <a:t>https</a:t>
+            </a:r>
+            <a:r>
+              <a:rPr lang="en-US" sz="2400" dirty="0">
+                <a:hlinkClick r:id="rId2"/>
+              </a:rPr>
+              <a:t>://github.com/edamame-course/2015-tutorials/wiki/</a:t>
+            </a:r>
+            <a:r>
+              <a:rPr lang="en-US" sz="2400" dirty="0" smtClean="0">
+                <a:hlinkClick r:id="rId2"/>
+              </a:rPr>
+              <a:t>Schedule</a:t>
+            </a:r>
+            <a:endParaRPr lang="en-US" sz="2400" dirty="0" smtClean="0"/>
+          </a:p>
+          <a:p>
+            <a:pPr lvl="1"/>
+            <a:r>
+              <a:rPr lang="en-US" sz="2000" dirty="0" smtClean="0"/>
+              <a:t>Bookmark it!</a:t>
+            </a:r>
+          </a:p>
+          <a:p>
+            <a:pPr lvl="1"/>
+            <a:r>
+              <a:rPr lang="en-US" sz="2000" dirty="0" smtClean="0"/>
+              <a:t>Course webpage not updated this week</a:t>
+            </a:r>
+          </a:p>
+          <a:p>
+            <a:pPr marL="457200" lvl="1" indent="0">
+              <a:buNone/>
+            </a:pPr>
+            <a:endParaRPr lang="en-US" sz="2000" dirty="0"/>
+          </a:p>
+          <a:p>
+            <a:r>
+              <a:rPr lang="en-US" sz="2400" dirty="0" err="1" smtClean="0"/>
+              <a:t>Etherpad</a:t>
+            </a:r>
+            <a:r>
+              <a:rPr lang="en-US" sz="2400" dirty="0" smtClean="0"/>
+              <a:t> for group </a:t>
+            </a:r>
+            <a:r>
+              <a:rPr lang="en-US" sz="2400" dirty="0"/>
+              <a:t>note </a:t>
+            </a:r>
+            <a:r>
+              <a:rPr lang="en-US" sz="2400" dirty="0" smtClean="0"/>
+              <a:t>taking (link on wiki home page): </a:t>
+            </a:r>
+            <a:r>
+              <a:rPr lang="en-US" sz="2400" dirty="0">
+                <a:hlinkClick r:id="rId3"/>
+              </a:rPr>
+              <a:t>https://edamame2015.etherpad.mozilla.org/1</a:t>
+            </a:r>
+            <a:r>
+              <a:rPr lang="en-US" sz="2400" dirty="0" smtClean="0"/>
+              <a:t>?</a:t>
+            </a:r>
+          </a:p>
+          <a:p>
+            <a:endParaRPr lang="en-US" sz="2000" dirty="0" smtClean="0"/>
+          </a:p>
+          <a:p>
+            <a:r>
+              <a:rPr lang="en-US" sz="2400" dirty="0" smtClean="0"/>
+              <a:t>Course email list – please let me know if you do NOT want your name and email distributed to the group</a:t>
+            </a:r>
+          </a:p>
+          <a:p>
+            <a:pPr marL="0" indent="0">
+              <a:buNone/>
+            </a:pPr>
+            <a:endParaRPr lang="en-US" sz="2400" dirty="0" smtClean="0"/>
+          </a:p>
+          <a:p>
+            <a:r>
+              <a:rPr lang="en-US" sz="2400" dirty="0" smtClean="0"/>
+              <a:t>Tweet #</a:t>
+            </a:r>
+            <a:r>
+              <a:rPr lang="en-US" sz="2400" dirty="0" smtClean="0"/>
+              <a:t>edamame2015</a:t>
+            </a:r>
+          </a:p>
+          <a:p>
+            <a:pPr marL="0" indent="0">
+              <a:buNone/>
+            </a:pPr>
+            <a:endParaRPr lang="en-US" sz="2400" dirty="0" smtClean="0"/>
+          </a:p>
+          <a:p>
+            <a:r>
+              <a:rPr lang="en-US" sz="2400" dirty="0" smtClean="0"/>
+              <a:t>Blog:  MO BIO</a:t>
+            </a:r>
+          </a:p>
+          <a:p>
+            <a:endParaRPr lang="en-US" dirty="0"/>
+          </a:p>
+        </p:txBody>
+      </p:sp>
+    </p:spTree>
+    <p:extLst>
+      <p:ext uri="{BB962C8B-B14F-4D97-AF65-F5344CB8AC3E}">
+        <p14:creationId xmlns:p14="http://schemas.microsoft.com/office/powerpoint/2010/main" val="2253094587"/>
+      </p:ext>
+    </p:extLst>
+  </p:cSld>
+  <p:clrMapOvr>
+    <a:masterClrMapping/>
+  </p:clrMapOvr>
+  <p:timing>
+    <p:tnLst>
+      <p:par>
+        <p:cTn xmlns:p14="http://schemas.microsoft.com/office/powerpoint/2010/main" id="1" dur="indefinite" restart="never" nodeType="tmRoot"/>
+      </p:par>
+    </p:tnLst>
+  </p:timing>
+</p:sld>
+</file>
+
+<file path=ppt/slides/slide17.xml><?xml version="1.0" encoding="utf-8"?>
+<p:sld xmlns:a="http://schemas.openxmlformats.org/drawingml/2006/main" xmlns:r="http://schemas.openxmlformats.org/officeDocument/2006/relationships" xmlns:p="http://schemas.openxmlformats.org/presentationml/2006/main">
+  <p:cSld>
+    <p:spTree>
+      <p:nvGrpSpPr>
+        <p:cNvPr id="1" name=""/>
+        <p:cNvGrpSpPr/>
+        <p:nvPr/>
+      </p:nvGrpSpPr>
+      <p:grpSpPr>
+        <a:xfrm>
+          <a:off x="0" y="0"/>
+          <a:ext cx="0" cy="0"/>
+          <a:chOff x="0" y="0"/>
+          <a:chExt cx="0" cy="0"/>
+        </a:xfrm>
+      </p:grpSpPr>
+      <p:sp>
+        <p:nvSpPr>
+          <p:cNvPr id="2" name="Title 1"/>
+          <p:cNvSpPr>
+            <a:spLocks noGrp="1"/>
+          </p:cNvSpPr>
+          <p:nvPr>
+            <p:ph type="title"/>
+          </p:nvPr>
+        </p:nvSpPr>
+        <p:spPr/>
+        <p:txBody>
+          <a:bodyPr/>
+          <a:lstStyle/>
+          <a:p>
+            <a:r>
+              <a:rPr lang="en-US" dirty="0" smtClean="0"/>
+              <a:t>Code of Conduct</a:t>
+            </a:r>
+            <a:endParaRPr lang="en-US" dirty="0"/>
+          </a:p>
+        </p:txBody>
+      </p:sp>
+      <p:sp>
+        <p:nvSpPr>
+          <p:cNvPr id="3" name="Content Placeholder 2"/>
+          <p:cNvSpPr>
+            <a:spLocks noGrp="1"/>
+          </p:cNvSpPr>
+          <p:nvPr>
+            <p:ph idx="1"/>
+          </p:nvPr>
+        </p:nvSpPr>
+        <p:spPr/>
+        <p:txBody>
+          <a:bodyPr>
+            <a:noAutofit/>
+          </a:bodyPr>
+          <a:lstStyle/>
+          <a:p>
+            <a:pPr marL="0" indent="0" algn="ctr">
+              <a:buNone/>
+            </a:pPr>
+            <a:r>
+              <a:rPr lang="en-US" sz="2400" dirty="0" smtClean="0"/>
+              <a:t>Please read the course code of conduct:</a:t>
+            </a:r>
+          </a:p>
+          <a:p>
+            <a:pPr algn="ctr"/>
+            <a:r>
+              <a:rPr lang="en-US" sz="2400" dirty="0">
+                <a:hlinkClick r:id="rId2"/>
+              </a:rPr>
+              <a:t>https://github.com/edamame-course/docs/blob/gh-pages/extra/</a:t>
+            </a:r>
+            <a:r>
+              <a:rPr lang="en-US" sz="2400" dirty="0" smtClean="0">
+                <a:hlinkClick r:id="rId2"/>
+              </a:rPr>
+              <a:t>edamame_code_of_conduct.md</a:t>
+            </a:r>
+            <a:endParaRPr lang="en-US" sz="2400" dirty="0" smtClean="0"/>
+          </a:p>
+          <a:p>
+            <a:pPr algn="ctr"/>
+            <a:endParaRPr lang="en-US" sz="2400" dirty="0"/>
+          </a:p>
+          <a:p>
+            <a:pPr algn="ctr"/>
+            <a:endParaRPr lang="en-US" sz="2400" dirty="0" smtClean="0"/>
+          </a:p>
+          <a:p>
+            <a:pPr algn="ctr"/>
+            <a:endParaRPr lang="en-US" sz="2400" dirty="0"/>
+          </a:p>
+          <a:p>
+            <a:pPr algn="ctr"/>
+            <a:endParaRPr lang="en-US" sz="2400" dirty="0" smtClean="0"/>
+          </a:p>
+          <a:p>
+            <a:pPr algn="ctr"/>
+            <a:r>
+              <a:rPr lang="en-US" sz="2400" dirty="0" smtClean="0"/>
+              <a:t>Bottom line:</a:t>
+            </a:r>
+          </a:p>
+          <a:p>
+            <a:pPr algn="ctr"/>
+            <a:r>
+              <a:rPr lang="en-US" sz="2400" dirty="0" smtClean="0"/>
+              <a:t>Let’s all be nice to one another.  Disrespectful conduct is grounds for immediate dismissal.</a:t>
+            </a:r>
+            <a:endParaRPr lang="en-US" sz="2400" dirty="0"/>
+          </a:p>
+        </p:txBody>
+      </p:sp>
+    </p:spTree>
+    <p:extLst>
+      <p:ext uri="{BB962C8B-B14F-4D97-AF65-F5344CB8AC3E}">
+        <p14:creationId xmlns:p14="http://schemas.microsoft.com/office/powerpoint/2010/main" val="2099702601"/>
+      </p:ext>
+    </p:extLst>
+  </p:cSld>
+  <p:clrMapOvr>
+    <a:masterClrMapping/>
+  </p:clrMapOvr>
+  <p:timing>
+    <p:tnLst>
+      <p:par>
+        <p:cTn xmlns:p14="http://schemas.microsoft.com/office/powerpoint/2010/main" id="1" dur="indefinite" restart="never" nodeType="tmRoot"/>
+      </p:par>
+    </p:tnLst>
+  </p:timing>
+</p:sld>
+</file>
+
+<file path=ppt/slides/slide18.xml><?xml version="1.0" encoding="utf-8"?>
+<p:sld xmlns:a="http://schemas.openxmlformats.org/drawingml/2006/main" xmlns:r="http://schemas.openxmlformats.org/officeDocument/2006/relationships" xmlns:p="http://schemas.openxmlformats.org/presentationml/2006/main">
+  <p:cSld>
+    <p:spTree>
+      <p:nvGrpSpPr>
+        <p:cNvPr id="1" name=""/>
+        <p:cNvGrpSpPr/>
+        <p:nvPr/>
+      </p:nvGrpSpPr>
+      <p:grpSpPr>
+        <a:xfrm>
+          <a:off x="0" y="0"/>
+          <a:ext cx="0" cy="0"/>
+          <a:chOff x="0" y="0"/>
+          <a:chExt cx="0" cy="0"/>
+        </a:xfrm>
+      </p:grpSpPr>
+      <p:sp>
+        <p:nvSpPr>
+          <p:cNvPr id="2" name="Title 1"/>
+          <p:cNvSpPr>
+            <a:spLocks noGrp="1"/>
+          </p:cNvSpPr>
+          <p:nvPr>
+            <p:ph type="title"/>
+          </p:nvPr>
+        </p:nvSpPr>
+        <p:spPr/>
+        <p:txBody>
+          <a:bodyPr>
+            <a:normAutofit/>
+          </a:bodyPr>
+          <a:lstStyle/>
+          <a:p>
+            <a:r>
+              <a:rPr lang="en-US" dirty="0" smtClean="0"/>
+              <a:t>Our Support comes from</a:t>
+            </a:r>
+            <a:endParaRPr lang="en-US" dirty="0"/>
+          </a:p>
+        </p:txBody>
+      </p:sp>
+      <p:sp>
+        <p:nvSpPr>
+          <p:cNvPr id="3" name="Content Placeholder 2"/>
+          <p:cNvSpPr>
+            <a:spLocks noGrp="1"/>
+          </p:cNvSpPr>
+          <p:nvPr>
+            <p:ph idx="1"/>
+          </p:nvPr>
+        </p:nvSpPr>
+        <p:spPr/>
+        <p:txBody>
+          <a:bodyPr>
+            <a:normAutofit/>
+          </a:bodyPr>
+          <a:lstStyle/>
+          <a:p>
+            <a:r>
+              <a:rPr lang="en-US" dirty="0" smtClean="0"/>
+              <a:t>The BEACON Center for the study of evolution in action (MSU)</a:t>
+            </a:r>
+          </a:p>
+          <a:p>
+            <a:r>
+              <a:rPr lang="en-US" dirty="0" smtClean="0"/>
+              <a:t>MO-BIO (t-shirts!)</a:t>
+            </a:r>
+          </a:p>
+          <a:p>
+            <a:r>
+              <a:rPr lang="en-US" dirty="0" smtClean="0"/>
+              <a:t>Amazon Web Services</a:t>
+            </a:r>
+          </a:p>
+          <a:p>
+            <a:r>
+              <a:rPr lang="en-US" dirty="0" smtClean="0"/>
+              <a:t>MSU Office of Vice President for Research and Graduate </a:t>
+            </a:r>
+            <a:r>
+              <a:rPr lang="en-US" dirty="0" smtClean="0"/>
+              <a:t>Studies</a:t>
+            </a:r>
+          </a:p>
+          <a:p>
+            <a:r>
+              <a:rPr lang="en-US" dirty="0" smtClean="0"/>
+              <a:t>Kay Gross, director of KBS</a:t>
+            </a:r>
+            <a:endParaRPr lang="en-US" dirty="0" smtClean="0"/>
+          </a:p>
+          <a:p>
+            <a:r>
+              <a:rPr lang="en-US" dirty="0"/>
+              <a:t>… Thank </a:t>
+            </a:r>
+            <a:r>
+              <a:rPr lang="en-US" dirty="0" smtClean="0"/>
+              <a:t>our sponsors</a:t>
+            </a:r>
+            <a:r>
+              <a:rPr lang="en-US" dirty="0" smtClean="0"/>
+              <a:t>! </a:t>
+            </a:r>
+            <a:r>
+              <a:rPr lang="en-US" dirty="0"/>
+              <a:t>tweet, blog, </a:t>
+            </a:r>
+            <a:r>
+              <a:rPr lang="en-US" dirty="0" err="1"/>
+              <a:t>etc</a:t>
+            </a:r>
+            <a:endParaRPr lang="en-US" dirty="0" smtClean="0"/>
+          </a:p>
+        </p:txBody>
+      </p:sp>
+    </p:spTree>
+    <p:extLst>
+      <p:ext uri="{BB962C8B-B14F-4D97-AF65-F5344CB8AC3E}">
+        <p14:creationId xmlns:p14="http://schemas.microsoft.com/office/powerpoint/2010/main" val="2477378372"/>
+      </p:ext>
+    </p:extLst>
+  </p:cSld>
+  <p:clrMapOvr>
+    <a:masterClrMapping/>
+  </p:clrMapOvr>
+</p:sld>
+</file>
+
+<file path=ppt/slides/slide19.xml><?xml version="1.0" encoding="utf-8"?>
+<p:sld xmlns:a="http://schemas.openxmlformats.org/drawingml/2006/main" xmlns:r="http://schemas.openxmlformats.org/officeDocument/2006/relationships" xmlns:p="http://schemas.openxmlformats.org/presentationml/2006/main">
+  <p:cSld>
+    <p:spTree>
+      <p:nvGrpSpPr>
+        <p:cNvPr id="1" name=""/>
+        <p:cNvGrpSpPr/>
+        <p:nvPr/>
+      </p:nvGrpSpPr>
+      <p:grpSpPr>
+        <a:xfrm>
+          <a:off x="0" y="0"/>
+          <a:ext cx="0" cy="0"/>
+          <a:chOff x="0" y="0"/>
+          <a:chExt cx="0" cy="0"/>
+        </a:xfrm>
+      </p:grpSpPr>
+      <p:sp>
+        <p:nvSpPr>
+          <p:cNvPr id="2" name="Title 1"/>
+          <p:cNvSpPr>
+            <a:spLocks noGrp="1"/>
+          </p:cNvSpPr>
+          <p:nvPr>
+            <p:ph type="title"/>
+          </p:nvPr>
+        </p:nvSpPr>
+        <p:spPr/>
+        <p:txBody>
+          <a:bodyPr/>
+          <a:lstStyle/>
+          <a:p>
+            <a:r>
+              <a:rPr lang="en-US" dirty="0" smtClean="0"/>
+              <a:t>Mo BIO</a:t>
+            </a:r>
+            <a:endParaRPr lang="en-US" dirty="0"/>
+          </a:p>
+        </p:txBody>
+      </p:sp>
+      <p:sp>
+        <p:nvSpPr>
+          <p:cNvPr id="3" name="Content Placeholder 2"/>
+          <p:cNvSpPr>
+            <a:spLocks noGrp="1"/>
+          </p:cNvSpPr>
+          <p:nvPr>
+            <p:ph idx="1"/>
+          </p:nvPr>
+        </p:nvSpPr>
+        <p:spPr/>
+        <p:txBody>
+          <a:bodyPr>
+            <a:noAutofit/>
+          </a:bodyPr>
+          <a:lstStyle/>
+          <a:p>
+            <a:pPr marL="0" indent="0" algn="ctr">
+              <a:buNone/>
+            </a:pPr>
+            <a:r>
+              <a:rPr lang="en-US" sz="2400" dirty="0" smtClean="0"/>
+              <a:t>Blogging opportunity!  </a:t>
+            </a:r>
+          </a:p>
+          <a:p>
+            <a:pPr marL="0" indent="0" algn="ctr">
+              <a:buNone/>
+            </a:pPr>
+            <a:r>
+              <a:rPr lang="en-US" sz="2400" dirty="0" err="1" smtClean="0"/>
+              <a:t>Emelia</a:t>
+            </a:r>
+            <a:r>
+              <a:rPr lang="en-US" sz="2400" dirty="0" smtClean="0"/>
+              <a:t> </a:t>
+            </a:r>
+            <a:r>
+              <a:rPr lang="en-US" sz="2400" dirty="0" err="1" smtClean="0"/>
+              <a:t>DeForce</a:t>
+            </a:r>
+            <a:r>
+              <a:rPr lang="en-US" sz="2400" dirty="0" smtClean="0"/>
+              <a:t> is REALLY excited to have EDAMAME guest post!</a:t>
+            </a:r>
+          </a:p>
+          <a:p>
+            <a:pPr algn="ctr"/>
+            <a:endParaRPr lang="en-US" sz="2400" dirty="0"/>
+          </a:p>
+          <a:p>
+            <a:pPr algn="ctr"/>
+            <a:endParaRPr lang="en-US" sz="2400" dirty="0" smtClean="0"/>
+          </a:p>
+          <a:p>
+            <a:pPr algn="ctr"/>
+            <a:endParaRPr lang="en-US" sz="2400" dirty="0"/>
+          </a:p>
+        </p:txBody>
+      </p:sp>
+    </p:spTree>
+    <p:extLst>
+      <p:ext uri="{BB962C8B-B14F-4D97-AF65-F5344CB8AC3E}">
+        <p14:creationId xmlns:p14="http://schemas.microsoft.com/office/powerpoint/2010/main" val="4089425442"/>
+      </p:ext>
+    </p:extLst>
+  </p:cSld>
+  <p:clrMapOvr>
+    <a:masterClrMapping/>
+  </p:clrMapOvr>
+  <p:timing>
+    <p:tnLst>
+      <p:par>
+        <p:cTn xmlns:p14="http://schemas.microsoft.com/office/powerpoint/2010/main" id="1" dur="indefinite" restart="never" nodeType="tmRoot"/>
+      </p:par>
+    </p:tnLst>
+  </p:timing>
+</p:sld>
+</file>
+
+<file path=ppt/slides/slide2.xml><?xml version="1.0" encoding="utf-8"?>
+<p:sld xmlns:a="http://schemas.openxmlformats.org/drawingml/2006/main" xmlns:r="http://schemas.openxmlformats.org/officeDocument/2006/relationships" xmlns:p="http://schemas.openxmlformats.org/presentationml/2006/main">
+  <p:cSld>
     <p:bg>
       <p:bgPr>
         <a:blipFill rotWithShape="1">
@@ -3682,994 +5370,7 @@
 </p:sld>
 </file>
 
-<file path=ppt/slides/slide10.xml><?xml version="1.0" encoding="utf-8"?>
-<p:sld xmlns:a="http://schemas.openxmlformats.org/drawingml/2006/main" xmlns:r="http://schemas.openxmlformats.org/officeDocument/2006/relationships" xmlns:p="http://schemas.openxmlformats.org/presentationml/2006/main">
-  <p:cSld>
-    <p:spTree>
-      <p:nvGrpSpPr>
-        <p:cNvPr id="1" name=""/>
-        <p:cNvGrpSpPr/>
-        <p:nvPr/>
-      </p:nvGrpSpPr>
-      <p:grpSpPr>
-        <a:xfrm>
-          <a:off x="0" y="0"/>
-          <a:ext cx="0" cy="0"/>
-          <a:chOff x="0" y="0"/>
-          <a:chExt cx="0" cy="0"/>
-        </a:xfrm>
-      </p:grpSpPr>
-      <p:sp>
-        <p:nvSpPr>
-          <p:cNvPr id="3" name="Title 2"/>
-          <p:cNvSpPr>
-            <a:spLocks noGrp="1"/>
-          </p:cNvSpPr>
-          <p:nvPr>
-            <p:ph type="title"/>
-          </p:nvPr>
-        </p:nvSpPr>
-        <p:spPr>
-          <a:xfrm>
-            <a:off x="457200" y="198806"/>
-            <a:ext cx="8229600" cy="1143000"/>
-          </a:xfrm>
-        </p:spPr>
-        <p:txBody>
-          <a:bodyPr/>
-          <a:lstStyle/>
-          <a:p>
-            <a:r>
-              <a:rPr lang="en-US" dirty="0" smtClean="0"/>
-              <a:t>Our Esteemed Guest Lecturers</a:t>
-            </a:r>
-            <a:endParaRPr lang="en-US" dirty="0"/>
-          </a:p>
-        </p:txBody>
-      </p:sp>
-      <p:sp>
-        <p:nvSpPr>
-          <p:cNvPr id="2" name="Content Placeholder 1"/>
-          <p:cNvSpPr>
-            <a:spLocks noGrp="1"/>
-          </p:cNvSpPr>
-          <p:nvPr>
-            <p:ph idx="1"/>
-          </p:nvPr>
-        </p:nvSpPr>
-        <p:spPr>
-          <a:xfrm>
-            <a:off x="457200" y="1410623"/>
-            <a:ext cx="8229600" cy="4525963"/>
-          </a:xfrm>
-        </p:spPr>
-        <p:txBody>
-          <a:bodyPr>
-            <a:noAutofit/>
-          </a:bodyPr>
-          <a:lstStyle/>
-          <a:p>
-            <a:r>
-              <a:rPr lang="en-US" sz="2800" dirty="0" smtClean="0"/>
-              <a:t>Pat </a:t>
-            </a:r>
-            <a:r>
-              <a:rPr lang="en-US" sz="2800" dirty="0" err="1" smtClean="0"/>
-              <a:t>Schloss</a:t>
-            </a:r>
-            <a:r>
-              <a:rPr lang="en-US" sz="2800" dirty="0"/>
-              <a:t> </a:t>
-            </a:r>
-            <a:r>
-              <a:rPr lang="en-US" sz="2800" dirty="0" smtClean="0"/>
-              <a:t> 		University of Michigan</a:t>
-            </a:r>
-          </a:p>
-          <a:p>
-            <a:r>
-              <a:rPr lang="en-US" sz="2800" dirty="0" smtClean="0"/>
-              <a:t>Jay Lennon	 	Indiana University</a:t>
-            </a:r>
-          </a:p>
-          <a:p>
-            <a:r>
-              <a:rPr lang="en-US" sz="2800" dirty="0" smtClean="0"/>
-              <a:t>Stuart Jones 		University of Notre Dame</a:t>
-            </a:r>
-          </a:p>
-          <a:p>
-            <a:r>
-              <a:rPr lang="en-US" sz="2800" dirty="0" smtClean="0"/>
-              <a:t>Jim </a:t>
-            </a:r>
-            <a:r>
-              <a:rPr lang="en-US" sz="2800" dirty="0" err="1" smtClean="0"/>
-              <a:t>Tiedje</a:t>
-            </a:r>
-            <a:r>
-              <a:rPr lang="en-US" sz="2800" dirty="0" smtClean="0"/>
-              <a:t> 		Michigan State University</a:t>
-            </a:r>
-          </a:p>
-          <a:p>
-            <a:r>
-              <a:rPr lang="en-US" sz="2800" dirty="0" smtClean="0"/>
-              <a:t>Jim Cole 			Michigan State University</a:t>
-            </a:r>
-          </a:p>
-          <a:p>
-            <a:r>
-              <a:rPr lang="en-US" sz="2800" dirty="0" smtClean="0"/>
-              <a:t>Dirk </a:t>
-            </a:r>
-            <a:r>
-              <a:rPr lang="en-US" sz="2800" dirty="0" err="1" smtClean="0"/>
-              <a:t>Colbry</a:t>
-            </a:r>
-            <a:r>
-              <a:rPr lang="en-US" sz="2800" dirty="0" smtClean="0"/>
-              <a:t> 		Michigan State University</a:t>
-            </a:r>
-          </a:p>
-          <a:p>
-            <a:r>
-              <a:rPr lang="en-US" sz="2800" dirty="0" err="1" smtClean="0"/>
-              <a:t>Ariane</a:t>
-            </a:r>
-            <a:r>
-              <a:rPr lang="en-US" sz="2800" dirty="0" smtClean="0"/>
-              <a:t> Peralta 	East Carolina University</a:t>
-            </a:r>
-          </a:p>
-          <a:p>
-            <a:r>
-              <a:rPr lang="en-US" sz="2800" dirty="0" smtClean="0"/>
-              <a:t>Vincent </a:t>
-            </a:r>
-            <a:r>
-              <a:rPr lang="en-US" sz="2800" dirty="0" err="1" smtClean="0"/>
-              <a:t>Denef</a:t>
-            </a:r>
-            <a:r>
-              <a:rPr lang="en-US" sz="2800" dirty="0" smtClean="0"/>
-              <a:t> 	University of Michigan</a:t>
-            </a:r>
-          </a:p>
-          <a:p>
-            <a:r>
-              <a:rPr lang="en-US" sz="2800" dirty="0" smtClean="0"/>
-              <a:t>Sarah Evans  		Kellogg Biological Station</a:t>
-            </a:r>
-          </a:p>
-          <a:p>
-            <a:r>
-              <a:rPr lang="en-US" sz="2800" dirty="0" smtClean="0"/>
-              <a:t>Matt </a:t>
-            </a:r>
-            <a:r>
-              <a:rPr lang="en-US" sz="2800" dirty="0" err="1" smtClean="0"/>
-              <a:t>Scholz</a:t>
-            </a:r>
-            <a:r>
-              <a:rPr lang="en-US" sz="2800" dirty="0" smtClean="0"/>
-              <a:t> 		MSU HPCC</a:t>
-            </a:r>
-          </a:p>
-        </p:txBody>
-      </p:sp>
-    </p:spTree>
-    <p:extLst>
-      <p:ext uri="{BB962C8B-B14F-4D97-AF65-F5344CB8AC3E}">
-        <p14:creationId xmlns:p14="http://schemas.microsoft.com/office/powerpoint/2010/main" val="3186488360"/>
-      </p:ext>
-    </p:extLst>
-  </p:cSld>
-  <p:clrMapOvr>
-    <a:masterClrMapping/>
-  </p:clrMapOvr>
-  <p:timing>
-    <p:tnLst>
-      <p:par>
-        <p:cTn xmlns:p14="http://schemas.microsoft.com/office/powerpoint/2010/main" id="1" dur="indefinite" restart="never" nodeType="tmRoot"/>
-      </p:par>
-    </p:tnLst>
-  </p:timing>
-</p:sld>
-</file>
-
-<file path=ppt/slides/slide11.xml><?xml version="1.0" encoding="utf-8"?>
-<p:sld xmlns:a="http://schemas.openxmlformats.org/drawingml/2006/main" xmlns:r="http://schemas.openxmlformats.org/officeDocument/2006/relationships" xmlns:p="http://schemas.openxmlformats.org/presentationml/2006/main">
-  <p:cSld>
-    <p:spTree>
-      <p:nvGrpSpPr>
-        <p:cNvPr id="1" name=""/>
-        <p:cNvGrpSpPr/>
-        <p:nvPr/>
-      </p:nvGrpSpPr>
-      <p:grpSpPr>
-        <a:xfrm>
-          <a:off x="0" y="0"/>
-          <a:ext cx="0" cy="0"/>
-          <a:chOff x="0" y="0"/>
-          <a:chExt cx="0" cy="0"/>
-        </a:xfrm>
-      </p:grpSpPr>
-      <p:sp>
-        <p:nvSpPr>
-          <p:cNvPr id="2" name="Title 1"/>
-          <p:cNvSpPr>
-            <a:spLocks noGrp="1"/>
-          </p:cNvSpPr>
-          <p:nvPr>
-            <p:ph type="title"/>
-          </p:nvPr>
-        </p:nvSpPr>
-        <p:spPr/>
-        <p:txBody>
-          <a:bodyPr/>
-          <a:lstStyle/>
-          <a:p>
-            <a:r>
-              <a:rPr lang="en-US" dirty="0" smtClean="0"/>
-              <a:t>Food and drink</a:t>
-            </a:r>
-            <a:endParaRPr lang="en-US" dirty="0"/>
-          </a:p>
-        </p:txBody>
-      </p:sp>
-      <p:sp>
-        <p:nvSpPr>
-          <p:cNvPr id="3" name="Content Placeholder 2"/>
-          <p:cNvSpPr>
-            <a:spLocks noGrp="1"/>
-          </p:cNvSpPr>
-          <p:nvPr>
-            <p:ph idx="1"/>
-          </p:nvPr>
-        </p:nvSpPr>
-        <p:spPr>
-          <a:xfrm>
-            <a:off x="457200" y="1865612"/>
-            <a:ext cx="8229600" cy="4525963"/>
-          </a:xfrm>
-        </p:spPr>
-        <p:txBody>
-          <a:bodyPr>
-            <a:normAutofit/>
-          </a:bodyPr>
-          <a:lstStyle/>
-          <a:p>
-            <a:r>
-              <a:rPr lang="en-US" sz="2400" dirty="0" smtClean="0"/>
-              <a:t>Most meals will be at the KBS dining hall.  Over the weekend they will be closed for a few meals.  We will arrange for group meals; please do your part to chip in – we’ll keep the cost as economical as possible.</a:t>
-            </a:r>
-            <a:endParaRPr lang="en-US" sz="2000" dirty="0" smtClean="0"/>
-          </a:p>
-          <a:p>
-            <a:endParaRPr lang="en-US" sz="2400" dirty="0"/>
-          </a:p>
-          <a:p>
-            <a:endParaRPr lang="en-US" sz="2400" dirty="0"/>
-          </a:p>
-          <a:p>
-            <a:r>
-              <a:rPr lang="en-US" sz="2400" dirty="0" smtClean="0"/>
-              <a:t>We can also make group arrangements to head to “town” – check with one of the </a:t>
-            </a:r>
-            <a:r>
-              <a:rPr lang="en-US" sz="2400" dirty="0" err="1" smtClean="0"/>
-              <a:t>TAs.</a:t>
-            </a:r>
-            <a:r>
-              <a:rPr lang="en-US" sz="2400" dirty="0"/>
-              <a:t> You might want to head to the market on your own.  Kalamazoo is not too far away.</a:t>
-            </a:r>
-          </a:p>
-          <a:p>
-            <a:endParaRPr lang="en-US" sz="2400" dirty="0" smtClean="0"/>
-          </a:p>
-        </p:txBody>
-      </p:sp>
-    </p:spTree>
-    <p:extLst>
-      <p:ext uri="{BB962C8B-B14F-4D97-AF65-F5344CB8AC3E}">
-        <p14:creationId xmlns:p14="http://schemas.microsoft.com/office/powerpoint/2010/main" val="1147128375"/>
-      </p:ext>
-    </p:extLst>
-  </p:cSld>
-  <p:clrMapOvr>
-    <a:masterClrMapping/>
-  </p:clrMapOvr>
-  <p:timing>
-    <p:tnLst>
-      <p:par>
-        <p:cTn xmlns:p14="http://schemas.microsoft.com/office/powerpoint/2010/main" id="1" dur="indefinite" restart="never" nodeType="tmRoot"/>
-      </p:par>
-    </p:tnLst>
-  </p:timing>
-</p:sld>
-</file>
-
-<file path=ppt/slides/slide12.xml><?xml version="1.0" encoding="utf-8"?>
-<p:sld xmlns:a="http://schemas.openxmlformats.org/drawingml/2006/main" xmlns:r="http://schemas.openxmlformats.org/officeDocument/2006/relationships" xmlns:p="http://schemas.openxmlformats.org/presentationml/2006/main">
-  <p:cSld>
-    <p:spTree>
-      <p:nvGrpSpPr>
-        <p:cNvPr id="1" name=""/>
-        <p:cNvGrpSpPr/>
-        <p:nvPr/>
-      </p:nvGrpSpPr>
-      <p:grpSpPr>
-        <a:xfrm>
-          <a:off x="0" y="0"/>
-          <a:ext cx="0" cy="0"/>
-          <a:chOff x="0" y="0"/>
-          <a:chExt cx="0" cy="0"/>
-        </a:xfrm>
-      </p:grpSpPr>
-      <p:sp>
-        <p:nvSpPr>
-          <p:cNvPr id="2" name="Title 1"/>
-          <p:cNvSpPr>
-            <a:spLocks noGrp="1"/>
-          </p:cNvSpPr>
-          <p:nvPr>
-            <p:ph type="title"/>
-          </p:nvPr>
-        </p:nvSpPr>
-        <p:spPr>
-          <a:xfrm>
-            <a:off x="457200" y="152718"/>
-            <a:ext cx="8365038" cy="981304"/>
-          </a:xfrm>
-        </p:spPr>
-        <p:txBody>
-          <a:bodyPr/>
-          <a:lstStyle/>
-          <a:p>
-            <a:r>
-              <a:rPr lang="en-US" dirty="0" smtClean="0"/>
-              <a:t>Recreational stuff</a:t>
-            </a:r>
-            <a:endParaRPr lang="en-US" dirty="0"/>
-          </a:p>
-        </p:txBody>
-      </p:sp>
-      <p:sp>
-        <p:nvSpPr>
-          <p:cNvPr id="3" name="Content Placeholder 2"/>
-          <p:cNvSpPr>
-            <a:spLocks noGrp="1"/>
-          </p:cNvSpPr>
-          <p:nvPr>
-            <p:ph idx="1"/>
-          </p:nvPr>
-        </p:nvSpPr>
-        <p:spPr>
-          <a:xfrm>
-            <a:off x="362420" y="1349488"/>
-            <a:ext cx="8888210" cy="4776676"/>
-          </a:xfrm>
-        </p:spPr>
-        <p:txBody>
-          <a:bodyPr>
-            <a:noAutofit/>
-          </a:bodyPr>
-          <a:lstStyle/>
-          <a:p>
-            <a:r>
-              <a:rPr lang="en-US" dirty="0" smtClean="0"/>
-              <a:t>Some options at KBS are volleyball, </a:t>
-            </a:r>
-            <a:r>
-              <a:rPr lang="en-US" dirty="0" err="1" smtClean="0"/>
-              <a:t>frisbee</a:t>
-            </a:r>
-            <a:r>
-              <a:rPr lang="en-US" dirty="0" smtClean="0"/>
-              <a:t>, </a:t>
-            </a:r>
-            <a:r>
-              <a:rPr lang="en-US" dirty="0" err="1" smtClean="0"/>
-              <a:t>frisbee</a:t>
-            </a:r>
-            <a:r>
-              <a:rPr lang="en-US" dirty="0" smtClean="0"/>
-              <a:t> golf, </a:t>
-            </a:r>
-            <a:r>
-              <a:rPr lang="en-US" dirty="0" err="1" smtClean="0"/>
-              <a:t>bocci</a:t>
-            </a:r>
-            <a:r>
-              <a:rPr lang="en-US" dirty="0" smtClean="0"/>
-              <a:t> ball, etc…</a:t>
-            </a:r>
-          </a:p>
-          <a:p>
-            <a:r>
-              <a:rPr lang="en-US" dirty="0" smtClean="0"/>
-              <a:t>You may have to check with the KBS office for some of the options.</a:t>
-            </a:r>
-          </a:p>
-          <a:p>
-            <a:r>
-              <a:rPr lang="en-US" dirty="0" smtClean="0"/>
-              <a:t>There</a:t>
-            </a:r>
-            <a:r>
-              <a:rPr lang="en-US" dirty="0"/>
-              <a:t> </a:t>
-            </a:r>
-            <a:r>
-              <a:rPr lang="en-US" dirty="0" smtClean="0"/>
-              <a:t>are good places to run, to swim, to hike, to bike, to fish, to boat…</a:t>
-            </a:r>
-          </a:p>
-          <a:p>
-            <a:r>
-              <a:rPr lang="en-US" dirty="0" smtClean="0"/>
-              <a:t>There is also a few laundry rooms</a:t>
-            </a:r>
-            <a:endParaRPr lang="en-US" dirty="0"/>
-          </a:p>
-        </p:txBody>
-      </p:sp>
-    </p:spTree>
-    <p:extLst>
-      <p:ext uri="{BB962C8B-B14F-4D97-AF65-F5344CB8AC3E}">
-        <p14:creationId xmlns:p14="http://schemas.microsoft.com/office/powerpoint/2010/main" val="1257491872"/>
-      </p:ext>
-    </p:extLst>
-  </p:cSld>
-  <p:clrMapOvr>
-    <a:masterClrMapping/>
-  </p:clrMapOvr>
-  <p:timing>
-    <p:tnLst>
-      <p:par>
-        <p:cTn xmlns:p14="http://schemas.microsoft.com/office/powerpoint/2010/main" id="1" dur="indefinite" restart="never" nodeType="tmRoot"/>
-      </p:par>
-    </p:tnLst>
-  </p:timing>
-</p:sld>
-</file>
-
-<file path=ppt/slides/slide13.xml><?xml version="1.0" encoding="utf-8"?>
-<p:sld xmlns:a="http://schemas.openxmlformats.org/drawingml/2006/main" xmlns:r="http://schemas.openxmlformats.org/officeDocument/2006/relationships" xmlns:p="http://schemas.openxmlformats.org/presentationml/2006/main">
-  <p:cSld>
-    <p:spTree>
-      <p:nvGrpSpPr>
-        <p:cNvPr id="1" name=""/>
-        <p:cNvGrpSpPr/>
-        <p:nvPr/>
-      </p:nvGrpSpPr>
-      <p:grpSpPr>
-        <a:xfrm>
-          <a:off x="0" y="0"/>
-          <a:ext cx="0" cy="0"/>
-          <a:chOff x="0" y="0"/>
-          <a:chExt cx="0" cy="0"/>
-        </a:xfrm>
-      </p:grpSpPr>
-      <p:sp>
-        <p:nvSpPr>
-          <p:cNvPr id="2" name="Title 1"/>
-          <p:cNvSpPr>
-            <a:spLocks noGrp="1"/>
-          </p:cNvSpPr>
-          <p:nvPr>
-            <p:ph type="title"/>
-          </p:nvPr>
-        </p:nvSpPr>
-        <p:spPr/>
-        <p:txBody>
-          <a:bodyPr/>
-          <a:lstStyle/>
-          <a:p>
-            <a:r>
-              <a:rPr lang="en-US" dirty="0" smtClean="0"/>
-              <a:t>WIFI</a:t>
-            </a:r>
-            <a:endParaRPr lang="en-US" dirty="0"/>
-          </a:p>
-        </p:txBody>
-      </p:sp>
-      <p:sp>
-        <p:nvSpPr>
-          <p:cNvPr id="3" name="Content Placeholder 2"/>
-          <p:cNvSpPr>
-            <a:spLocks noGrp="1"/>
-          </p:cNvSpPr>
-          <p:nvPr>
-            <p:ph idx="1"/>
-          </p:nvPr>
-        </p:nvSpPr>
-        <p:spPr/>
-        <p:txBody>
-          <a:bodyPr/>
-          <a:lstStyle/>
-          <a:p>
-            <a:r>
-              <a:rPr lang="en-US" dirty="0" err="1" smtClean="0"/>
-              <a:t>MSUnet</a:t>
-            </a:r>
-            <a:r>
-              <a:rPr lang="en-US" dirty="0" smtClean="0"/>
-              <a:t> Guest 3.0</a:t>
-            </a:r>
-            <a:endParaRPr lang="en-US" dirty="0"/>
-          </a:p>
-        </p:txBody>
-      </p:sp>
-    </p:spTree>
-    <p:extLst>
-      <p:ext uri="{BB962C8B-B14F-4D97-AF65-F5344CB8AC3E}">
-        <p14:creationId xmlns:p14="http://schemas.microsoft.com/office/powerpoint/2010/main" val="1307614328"/>
-      </p:ext>
-    </p:extLst>
-  </p:cSld>
-  <p:clrMapOvr>
-    <a:masterClrMapping/>
-  </p:clrMapOvr>
-</p:sld>
-</file>
-
-<file path=ppt/slides/slide14.xml><?xml version="1.0" encoding="utf-8"?>
-<p:sld xmlns:a="http://schemas.openxmlformats.org/drawingml/2006/main" xmlns:r="http://schemas.openxmlformats.org/officeDocument/2006/relationships" xmlns:p="http://schemas.openxmlformats.org/presentationml/2006/main">
-  <p:cSld>
-    <p:spTree>
-      <p:nvGrpSpPr>
-        <p:cNvPr id="1" name=""/>
-        <p:cNvGrpSpPr/>
-        <p:nvPr/>
-      </p:nvGrpSpPr>
-      <p:grpSpPr>
-        <a:xfrm>
-          <a:off x="0" y="0"/>
-          <a:ext cx="0" cy="0"/>
-          <a:chOff x="0" y="0"/>
-          <a:chExt cx="0" cy="0"/>
-        </a:xfrm>
-      </p:grpSpPr>
-      <p:sp>
-        <p:nvSpPr>
-          <p:cNvPr id="2" name="Title 1"/>
-          <p:cNvSpPr>
-            <a:spLocks noGrp="1"/>
-          </p:cNvSpPr>
-          <p:nvPr>
-            <p:ph type="title"/>
-          </p:nvPr>
-        </p:nvSpPr>
-        <p:spPr/>
-        <p:txBody>
-          <a:bodyPr/>
-          <a:lstStyle/>
-          <a:p>
-            <a:r>
-              <a:rPr lang="en-US" dirty="0" smtClean="0"/>
-              <a:t>Red/Green </a:t>
-            </a:r>
-            <a:r>
-              <a:rPr lang="en-US" dirty="0" err="1" smtClean="0"/>
-              <a:t>stickies</a:t>
-            </a:r>
-            <a:r>
-              <a:rPr lang="en-US" dirty="0" smtClean="0"/>
-              <a:t>...</a:t>
-            </a:r>
-            <a:endParaRPr lang="en-US" dirty="0"/>
-          </a:p>
-        </p:txBody>
-      </p:sp>
-      <p:sp>
-        <p:nvSpPr>
-          <p:cNvPr id="3" name="Content Placeholder 2"/>
-          <p:cNvSpPr>
-            <a:spLocks noGrp="1"/>
-          </p:cNvSpPr>
-          <p:nvPr>
-            <p:ph idx="1"/>
-          </p:nvPr>
-        </p:nvSpPr>
-        <p:spPr/>
-        <p:txBody>
-          <a:bodyPr>
-            <a:normAutofit/>
-          </a:bodyPr>
-          <a:lstStyle/>
-          <a:p>
-            <a:r>
-              <a:rPr lang="en-US" sz="2800" dirty="0" smtClean="0"/>
-              <a:t>Red sticky means “I am in need of help...”</a:t>
-            </a:r>
-          </a:p>
-          <a:p>
-            <a:endParaRPr lang="en-US" sz="2800" dirty="0" smtClean="0"/>
-          </a:p>
-          <a:p>
-            <a:r>
-              <a:rPr lang="en-US" sz="2800" dirty="0" smtClean="0"/>
-              <a:t>Green means “I’m doing ok”</a:t>
-            </a:r>
-          </a:p>
-          <a:p>
-            <a:endParaRPr lang="en-US" sz="2800" dirty="0"/>
-          </a:p>
-          <a:p>
-            <a:r>
-              <a:rPr lang="en-US" sz="2800" dirty="0" smtClean="0"/>
-              <a:t>You don’t have to use them all the time, but we may ask some of you to put them up so we can get an assessment of where we are at as a group.</a:t>
-            </a:r>
-            <a:endParaRPr lang="en-US" sz="2800" dirty="0"/>
-          </a:p>
-        </p:txBody>
-      </p:sp>
-    </p:spTree>
-    <p:extLst>
-      <p:ext uri="{BB962C8B-B14F-4D97-AF65-F5344CB8AC3E}">
-        <p14:creationId xmlns:p14="http://schemas.microsoft.com/office/powerpoint/2010/main" val="2975063826"/>
-      </p:ext>
-    </p:extLst>
-  </p:cSld>
-  <p:clrMapOvr>
-    <a:masterClrMapping/>
-  </p:clrMapOvr>
-  <p:timing>
-    <p:tnLst>
-      <p:par>
-        <p:cTn xmlns:p14="http://schemas.microsoft.com/office/powerpoint/2010/main" id="1" dur="indefinite" restart="never" nodeType="tmRoot"/>
-      </p:par>
-    </p:tnLst>
-  </p:timing>
-</p:sld>
-</file>
-
-<file path=ppt/slides/slide15.xml><?xml version="1.0" encoding="utf-8"?>
-<p:sld xmlns:a="http://schemas.openxmlformats.org/drawingml/2006/main" xmlns:r="http://schemas.openxmlformats.org/officeDocument/2006/relationships" xmlns:p="http://schemas.openxmlformats.org/presentationml/2006/main">
-  <p:cSld>
-    <p:spTree>
-      <p:nvGrpSpPr>
-        <p:cNvPr id="1" name=""/>
-        <p:cNvGrpSpPr/>
-        <p:nvPr/>
-      </p:nvGrpSpPr>
-      <p:grpSpPr>
-        <a:xfrm>
-          <a:off x="0" y="0"/>
-          <a:ext cx="0" cy="0"/>
-          <a:chOff x="0" y="0"/>
-          <a:chExt cx="0" cy="0"/>
-        </a:xfrm>
-      </p:grpSpPr>
-      <p:sp>
-        <p:nvSpPr>
-          <p:cNvPr id="2" name="Title 1"/>
-          <p:cNvSpPr>
-            <a:spLocks noGrp="1"/>
-          </p:cNvSpPr>
-          <p:nvPr>
-            <p:ph type="title"/>
-          </p:nvPr>
-        </p:nvSpPr>
-        <p:spPr/>
-        <p:txBody>
-          <a:bodyPr/>
-          <a:lstStyle/>
-          <a:p>
-            <a:r>
-              <a:rPr lang="en-US" dirty="0" smtClean="0"/>
-              <a:t>Course materials!</a:t>
-            </a:r>
-            <a:endParaRPr lang="en-US" dirty="0"/>
-          </a:p>
-        </p:txBody>
-      </p:sp>
-      <p:sp>
-        <p:nvSpPr>
-          <p:cNvPr id="3" name="Content Placeholder 2"/>
-          <p:cNvSpPr>
-            <a:spLocks noGrp="1"/>
-          </p:cNvSpPr>
-          <p:nvPr>
-            <p:ph idx="1"/>
-          </p:nvPr>
-        </p:nvSpPr>
-        <p:spPr/>
-        <p:txBody>
-          <a:bodyPr/>
-          <a:lstStyle/>
-          <a:p>
-            <a:r>
-              <a:rPr lang="en-US" sz="2400" dirty="0" smtClean="0"/>
-              <a:t>Use the website: </a:t>
-            </a:r>
-            <a:r>
-              <a:rPr lang="en-US" sz="2400" dirty="0" err="1" smtClean="0">
-                <a:solidFill>
-                  <a:srgbClr val="FF0000"/>
-                </a:solidFill>
-              </a:rPr>
-              <a:t>edamame-course.org</a:t>
-            </a:r>
-            <a:endParaRPr lang="en-US" sz="2400" dirty="0" smtClean="0">
-              <a:solidFill>
-                <a:srgbClr val="FF0000"/>
-              </a:solidFill>
-            </a:endParaRPr>
-          </a:p>
-          <a:p>
-            <a:endParaRPr lang="en-US" sz="2400" dirty="0" smtClean="0"/>
-          </a:p>
-          <a:p>
-            <a:r>
-              <a:rPr lang="en-US" sz="2400" dirty="0" smtClean="0"/>
-              <a:t>All the material is on our </a:t>
-            </a:r>
-            <a:r>
-              <a:rPr lang="en-US" sz="2400" dirty="0" err="1" smtClean="0"/>
-              <a:t>github</a:t>
-            </a:r>
-            <a:r>
-              <a:rPr lang="en-US" sz="2400" dirty="0" smtClean="0"/>
-              <a:t> site: </a:t>
-            </a:r>
-          </a:p>
-          <a:p>
-            <a:r>
-              <a:rPr lang="en-US" sz="2400" dirty="0" err="1" smtClean="0">
-                <a:solidFill>
-                  <a:srgbClr val="FF0000"/>
-                </a:solidFill>
-              </a:rPr>
-              <a:t>github.com</a:t>
-            </a:r>
-            <a:r>
-              <a:rPr lang="en-US" sz="2400" dirty="0" smtClean="0">
-                <a:solidFill>
-                  <a:srgbClr val="FF0000"/>
-                </a:solidFill>
-              </a:rPr>
-              <a:t>/</a:t>
-            </a:r>
-            <a:r>
-              <a:rPr lang="en-US" sz="2400" dirty="0" err="1" smtClean="0">
-                <a:solidFill>
-                  <a:srgbClr val="FF0000"/>
-                </a:solidFill>
-              </a:rPr>
-              <a:t>edamame</a:t>
-            </a:r>
-            <a:r>
-              <a:rPr lang="en-US" sz="2400" dirty="0" smtClean="0">
-                <a:solidFill>
-                  <a:srgbClr val="FF0000"/>
-                </a:solidFill>
-              </a:rPr>
-              <a:t>-course</a:t>
-            </a:r>
-          </a:p>
-          <a:p>
-            <a:endParaRPr lang="en-US" sz="2400" dirty="0" smtClean="0"/>
-          </a:p>
-          <a:p>
-            <a:r>
-              <a:rPr lang="en-US" sz="2400" dirty="0" smtClean="0"/>
-              <a:t>Do you tweet: Let’s use </a:t>
-            </a:r>
-            <a:r>
-              <a:rPr lang="en-US" sz="2400" dirty="0" smtClean="0">
-                <a:solidFill>
-                  <a:srgbClr val="FF0000"/>
-                </a:solidFill>
-              </a:rPr>
-              <a:t>#edamame2015</a:t>
-            </a:r>
-          </a:p>
-          <a:p>
-            <a:endParaRPr lang="en-US" sz="2400" dirty="0" smtClean="0"/>
-          </a:p>
-          <a:p>
-            <a:r>
-              <a:rPr lang="en-US" sz="2400" dirty="0" smtClean="0"/>
-              <a:t>By the way, we’re </a:t>
-            </a:r>
-            <a:r>
-              <a:rPr lang="en-US" sz="2400" dirty="0" smtClean="0">
-                <a:solidFill>
-                  <a:srgbClr val="FF0000"/>
-                </a:solidFill>
-              </a:rPr>
-              <a:t>@ashley17061</a:t>
-            </a:r>
-            <a:r>
-              <a:rPr lang="en-US" sz="2400" dirty="0" smtClean="0"/>
-              <a:t>, </a:t>
-            </a:r>
-            <a:r>
-              <a:rPr lang="en-US" sz="2400" dirty="0" smtClean="0">
-                <a:solidFill>
-                  <a:srgbClr val="FF0000"/>
-                </a:solidFill>
-              </a:rPr>
-              <a:t>@</a:t>
-            </a:r>
-            <a:r>
-              <a:rPr lang="en-US" sz="2400" dirty="0" err="1" smtClean="0">
-                <a:solidFill>
-                  <a:srgbClr val="FF0000"/>
-                </a:solidFill>
-              </a:rPr>
-              <a:t>number_three</a:t>
-            </a:r>
-            <a:endParaRPr lang="en-US" sz="2400" dirty="0" smtClean="0">
-              <a:solidFill>
-                <a:srgbClr val="FF0000"/>
-              </a:solidFill>
-            </a:endParaRPr>
-          </a:p>
-          <a:p>
-            <a:endParaRPr lang="en-US" dirty="0"/>
-          </a:p>
-        </p:txBody>
-      </p:sp>
-    </p:spTree>
-    <p:extLst>
-      <p:ext uri="{BB962C8B-B14F-4D97-AF65-F5344CB8AC3E}">
-        <p14:creationId xmlns:p14="http://schemas.microsoft.com/office/powerpoint/2010/main" val="2253094587"/>
-      </p:ext>
-    </p:extLst>
-  </p:cSld>
-  <p:clrMapOvr>
-    <a:masterClrMapping/>
-  </p:clrMapOvr>
-  <p:timing>
-    <p:tnLst>
-      <p:par>
-        <p:cTn xmlns:p14="http://schemas.microsoft.com/office/powerpoint/2010/main" id="1" dur="indefinite" restart="never" nodeType="tmRoot"/>
-      </p:par>
-    </p:tnLst>
-  </p:timing>
-</p:sld>
-</file>
-
-<file path=ppt/slides/slide16.xml><?xml version="1.0" encoding="utf-8"?>
-<p:sld xmlns:a="http://schemas.openxmlformats.org/drawingml/2006/main" xmlns:r="http://schemas.openxmlformats.org/officeDocument/2006/relationships" xmlns:p="http://schemas.openxmlformats.org/presentationml/2006/main">
-  <p:cSld>
-    <p:spTree>
-      <p:nvGrpSpPr>
-        <p:cNvPr id="1" name=""/>
-        <p:cNvGrpSpPr/>
-        <p:nvPr/>
-      </p:nvGrpSpPr>
-      <p:grpSpPr>
-        <a:xfrm>
-          <a:off x="0" y="0"/>
-          <a:ext cx="0" cy="0"/>
-          <a:chOff x="0" y="0"/>
-          <a:chExt cx="0" cy="0"/>
-        </a:xfrm>
-      </p:grpSpPr>
-      <p:sp>
-        <p:nvSpPr>
-          <p:cNvPr id="2" name="Title 1"/>
-          <p:cNvSpPr>
-            <a:spLocks noGrp="1"/>
-          </p:cNvSpPr>
-          <p:nvPr>
-            <p:ph type="title"/>
-          </p:nvPr>
-        </p:nvSpPr>
-        <p:spPr/>
-        <p:txBody>
-          <a:bodyPr/>
-          <a:lstStyle/>
-          <a:p>
-            <a:r>
-              <a:rPr lang="en-US" dirty="0" smtClean="0"/>
-              <a:t>Code of Conduct</a:t>
-            </a:r>
-            <a:endParaRPr lang="en-US" dirty="0"/>
-          </a:p>
-        </p:txBody>
-      </p:sp>
-      <p:sp>
-        <p:nvSpPr>
-          <p:cNvPr id="3" name="Content Placeholder 2"/>
-          <p:cNvSpPr>
-            <a:spLocks noGrp="1"/>
-          </p:cNvSpPr>
-          <p:nvPr>
-            <p:ph idx="1"/>
-          </p:nvPr>
-        </p:nvSpPr>
-        <p:spPr/>
-        <p:txBody>
-          <a:bodyPr>
-            <a:noAutofit/>
-          </a:bodyPr>
-          <a:lstStyle/>
-          <a:p>
-            <a:pPr marL="0" indent="0" algn="ctr">
-              <a:buNone/>
-            </a:pPr>
-            <a:r>
-              <a:rPr lang="en-US" sz="2400" dirty="0" smtClean="0"/>
-              <a:t>Please read the course code of conduct:</a:t>
-            </a:r>
-          </a:p>
-          <a:p>
-            <a:pPr algn="ctr"/>
-            <a:r>
-              <a:rPr lang="en-US" sz="2400" dirty="0">
-                <a:hlinkClick r:id="rId2"/>
-              </a:rPr>
-              <a:t>https://github.com/edamame-course/docs/blob/gh-pages/extra/</a:t>
-            </a:r>
-            <a:r>
-              <a:rPr lang="en-US" sz="2400" dirty="0" smtClean="0">
-                <a:hlinkClick r:id="rId2"/>
-              </a:rPr>
-              <a:t>edamame_code_of_conduct.md</a:t>
-            </a:r>
-            <a:endParaRPr lang="en-US" sz="2400" dirty="0" smtClean="0"/>
-          </a:p>
-          <a:p>
-            <a:pPr algn="ctr"/>
-            <a:endParaRPr lang="en-US" sz="2400" dirty="0"/>
-          </a:p>
-          <a:p>
-            <a:pPr algn="ctr"/>
-            <a:endParaRPr lang="en-US" sz="2400" dirty="0" smtClean="0"/>
-          </a:p>
-          <a:p>
-            <a:pPr algn="ctr"/>
-            <a:endParaRPr lang="en-US" sz="2400" dirty="0"/>
-          </a:p>
-          <a:p>
-            <a:pPr algn="ctr"/>
-            <a:endParaRPr lang="en-US" sz="2400" dirty="0" smtClean="0"/>
-          </a:p>
-          <a:p>
-            <a:pPr algn="ctr"/>
-            <a:r>
-              <a:rPr lang="en-US" sz="2400" dirty="0" smtClean="0"/>
-              <a:t>Bottom line:</a:t>
-            </a:r>
-          </a:p>
-          <a:p>
-            <a:pPr algn="ctr"/>
-            <a:r>
-              <a:rPr lang="en-US" sz="2400" dirty="0" smtClean="0"/>
-              <a:t>Let’s all be nice to one another.  Disrespectful conduct is grounds for immediate dismissal.</a:t>
-            </a:r>
-            <a:endParaRPr lang="en-US" sz="2400" dirty="0"/>
-          </a:p>
-        </p:txBody>
-      </p:sp>
-    </p:spTree>
-    <p:extLst>
-      <p:ext uri="{BB962C8B-B14F-4D97-AF65-F5344CB8AC3E}">
-        <p14:creationId xmlns:p14="http://schemas.microsoft.com/office/powerpoint/2010/main" val="2099702601"/>
-      </p:ext>
-    </p:extLst>
-  </p:cSld>
-  <p:clrMapOvr>
-    <a:masterClrMapping/>
-  </p:clrMapOvr>
-  <p:timing>
-    <p:tnLst>
-      <p:par>
-        <p:cTn xmlns:p14="http://schemas.microsoft.com/office/powerpoint/2010/main" id="1" dur="indefinite" restart="never" nodeType="tmRoot"/>
-      </p:par>
-    </p:tnLst>
-  </p:timing>
-</p:sld>
-</file>
-
-<file path=ppt/slides/slide17.xml><?xml version="1.0" encoding="utf-8"?>
+<file path=ppt/slides/slide20.xml><?xml version="1.0" encoding="utf-8"?>
 <p:sld xmlns:a="http://schemas.openxmlformats.org/drawingml/2006/main" xmlns:r="http://schemas.openxmlformats.org/officeDocument/2006/relationships" xmlns:p="http://schemas.openxmlformats.org/presentationml/2006/main">
   <p:cSld>
     <p:spTree>
@@ -4705,7 +5406,7 @@
           <a:p>
             <a:r>
               <a:rPr lang="en-US" dirty="0" smtClean="0"/>
-              <a:t>Our Support comes from</a:t>
+              <a:t>Any questions or comments?</a:t>
             </a:r>
             <a:endParaRPr lang="en-US" dirty="0"/>
           </a:p>
@@ -4723,69 +5424,34 @@
         </p:nvSpPr>
         <p:spPr/>
         <p:txBody>
-          <a:bodyPr>
-            <a:normAutofit/>
-          </a:bodyPr>
+          <a:bodyPr/>
           <a:lstStyle/>
           <a:p>
-            <a:r>
-              <a:rPr lang="en-US" dirty="0" smtClean="0"/>
-              <a:t>The BEACON Center for the study of evolution in action (MSU)</a:t>
-            </a:r>
-          </a:p>
-          <a:p>
-            <a:r>
-              <a:rPr lang="en-US" dirty="0" smtClean="0"/>
-              <a:t>MO-BIO (t-shirts!)</a:t>
-            </a:r>
-          </a:p>
-          <a:p>
-            <a:r>
-              <a:rPr lang="en-US" dirty="0" smtClean="0"/>
-              <a:t>Amazon Web Services</a:t>
-            </a:r>
-          </a:p>
-          <a:p>
-            <a:r>
-              <a:rPr lang="en-US" dirty="0" smtClean="0"/>
-              <a:t>MSU Office of Vice President for Research and Graduate Studies</a:t>
-            </a:r>
-          </a:p>
-          <a:p>
-            <a:r>
-              <a:rPr lang="en-US" dirty="0"/>
-              <a:t>… Thank your </a:t>
-            </a:r>
-            <a:r>
-              <a:rPr lang="en-US" dirty="0" smtClean="0"/>
-              <a:t>Sponsors! </a:t>
-            </a:r>
-            <a:r>
-              <a:rPr lang="en-US" dirty="0"/>
-              <a:t>tweet, blog, </a:t>
-            </a:r>
-            <a:r>
-              <a:rPr lang="en-US" dirty="0" err="1"/>
-              <a:t>etc</a:t>
-            </a:r>
-            <a:endParaRPr lang="en-US" dirty="0" smtClean="0"/>
+            <a:endParaRPr lang="en-US"/>
           </a:p>
         </p:txBody>
       </p:sp>
     </p:spTree>
     <p:extLst>
       <p:ext uri="{BB962C8B-B14F-4D97-AF65-F5344CB8AC3E}">
-        <p14:creationId xmlns:p14="http://schemas.microsoft.com/office/powerpoint/2010/main" val="2477378372"/>
+        <p14:creationId xmlns:p14="http://schemas.microsoft.com/office/powerpoint/2010/main" val="948758129"/>
       </p:ext>
     </p:extLst>
   </p:cSld>
   <p:clrMapOvr>
     <a:masterClrMapping/>
   </p:clrMapOvr>
+  <p:timing>
+    <p:tnLst>
+      <p:par>
+        <p:cTn xmlns:p14="http://schemas.microsoft.com/office/powerpoint/2010/main" id="1" dur="indefinite" restart="never" nodeType="tmRoot"/>
+      </p:par>
+    </p:tnLst>
+  </p:timing>
 </p:sld>
 </file>
 
-<file path=ppt/slides/slide18.xml><?xml version="1.0" encoding="utf-8"?>
+<file path=ppt/slides/slide21.xml><?xml version="1.0" encoding="utf-8"?>
 <p:sld xmlns:a="http://schemas.openxmlformats.org/drawingml/2006/main" xmlns:r="http://schemas.openxmlformats.org/officeDocument/2006/relationships" xmlns:p="http://schemas.openxmlformats.org/presentationml/2006/main">
   <p:cSld>
     <p:spTree>
@@ -4819,93 +5485,26 @@
           <a:p>
             <a:r>
               <a:rPr lang="en-US" dirty="0" smtClean="0"/>
-              <a:t>Mo BIO</a:t>
+              <a:t>Let’s do it.</a:t>
             </a:r>
             <a:endParaRPr lang="en-US" dirty="0"/>
-          </a:p>
-        </p:txBody>
-      </p:sp>
-      <p:sp>
-        <p:nvSpPr>
-          <p:cNvPr id="3" name="Content Placeholder 2"/>
-          <p:cNvSpPr>
-            <a:spLocks noGrp="1"/>
-          </p:cNvSpPr>
-          <p:nvPr>
-            <p:ph idx="1"/>
-          </p:nvPr>
-        </p:nvSpPr>
-        <p:spPr/>
-        <p:txBody>
-          <a:bodyPr>
-            <a:noAutofit/>
-          </a:bodyPr>
-          <a:lstStyle/>
-          <a:p>
-            <a:pPr marL="0" indent="0" algn="ctr">
-              <a:buNone/>
-            </a:pPr>
-            <a:r>
-              <a:rPr lang="en-US" sz="2400" dirty="0" smtClean="0"/>
-              <a:t>Blogging opportunity!  </a:t>
-            </a:r>
-          </a:p>
-          <a:p>
-            <a:pPr marL="0" indent="0" algn="ctr">
-              <a:buNone/>
-            </a:pPr>
-            <a:r>
-              <a:rPr lang="en-US" sz="2400" dirty="0" err="1" smtClean="0"/>
-              <a:t>Emelia</a:t>
-            </a:r>
-            <a:r>
-              <a:rPr lang="en-US" sz="2400" dirty="0" smtClean="0"/>
-              <a:t> </a:t>
-            </a:r>
-            <a:r>
-              <a:rPr lang="en-US" sz="2400" dirty="0" err="1" smtClean="0"/>
-              <a:t>DeForce</a:t>
-            </a:r>
-            <a:r>
-              <a:rPr lang="en-US" sz="2400" dirty="0" smtClean="0"/>
-              <a:t> is REALLY excited to have EDAMAME guest post!</a:t>
-            </a:r>
-          </a:p>
-          <a:p>
-            <a:pPr algn="ctr"/>
-            <a:endParaRPr lang="en-US" sz="2400" dirty="0"/>
-          </a:p>
-          <a:p>
-            <a:pPr algn="ctr"/>
-            <a:endParaRPr lang="en-US" sz="2400" dirty="0" smtClean="0"/>
-          </a:p>
-          <a:p>
-            <a:pPr algn="ctr"/>
-            <a:endParaRPr lang="en-US" sz="2400" dirty="0"/>
           </a:p>
         </p:txBody>
       </p:sp>
     </p:spTree>
     <p:extLst>
       <p:ext uri="{BB962C8B-B14F-4D97-AF65-F5344CB8AC3E}">
-        <p14:creationId xmlns:p14="http://schemas.microsoft.com/office/powerpoint/2010/main" val="4089425442"/>
+        <p14:creationId xmlns:p14="http://schemas.microsoft.com/office/powerpoint/2010/main" val="1866851558"/>
       </p:ext>
     </p:extLst>
   </p:cSld>
   <p:clrMapOvr>
     <a:masterClrMapping/>
   </p:clrMapOvr>
-  <p:timing>
-    <p:tnLst>
-      <p:par>
-        <p:cTn xmlns:p14="http://schemas.microsoft.com/office/powerpoint/2010/main" id="1" dur="indefinite" restart="never" nodeType="tmRoot"/>
-      </p:par>
-    </p:tnLst>
-  </p:timing>
 </p:sld>
 </file>
 
-<file path=ppt/slides/slide19.xml><?xml version="1.0" encoding="utf-8"?>
+<file path=ppt/slides/slide22.xml><?xml version="1.0" encoding="utf-8"?>
 <p:sld xmlns:a="http://schemas.openxmlformats.org/drawingml/2006/main" xmlns:r="http://schemas.openxmlformats.org/officeDocument/2006/relationships" xmlns:p="http://schemas.openxmlformats.org/presentationml/2006/main">
   <p:cSld>
     <p:spTree>
@@ -4935,92 +5534,13 @@
         <p:spPr/>
         <p:txBody>
           <a:bodyPr>
-            <a:normAutofit/>
+            <a:normAutofit fontScale="90000"/>
           </a:bodyPr>
           <a:lstStyle/>
           <a:p>
             <a:r>
               <a:rPr lang="en-US" dirty="0" smtClean="0"/>
-              <a:t>Any questions or comments?</a:t>
-            </a:r>
-            <a:endParaRPr lang="en-US" dirty="0"/>
-          </a:p>
-        </p:txBody>
-      </p:sp>
-      <p:sp>
-        <p:nvSpPr>
-          <p:cNvPr id="3" name="Content Placeholder 2"/>
-          <p:cNvSpPr>
-            <a:spLocks noGrp="1"/>
-          </p:cNvSpPr>
-          <p:nvPr>
-            <p:ph idx="1"/>
-          </p:nvPr>
-        </p:nvSpPr>
-        <p:spPr/>
-        <p:txBody>
-          <a:bodyPr/>
-          <a:lstStyle/>
-          <a:p>
-            <a:endParaRPr lang="en-US"/>
-          </a:p>
-        </p:txBody>
-      </p:sp>
-    </p:spTree>
-    <p:extLst>
-      <p:ext uri="{BB962C8B-B14F-4D97-AF65-F5344CB8AC3E}">
-        <p14:creationId xmlns:p14="http://schemas.microsoft.com/office/powerpoint/2010/main" val="948758129"/>
-      </p:ext>
-    </p:extLst>
-  </p:cSld>
-  <p:clrMapOvr>
-    <a:masterClrMapping/>
-  </p:clrMapOvr>
-  <p:timing>
-    <p:tnLst>
-      <p:par>
-        <p:cTn xmlns:p14="http://schemas.microsoft.com/office/powerpoint/2010/main" id="1" dur="indefinite" restart="never" nodeType="tmRoot"/>
-      </p:par>
-    </p:tnLst>
-  </p:timing>
-</p:sld>
-</file>
-
-<file path=ppt/slides/slide2.xml><?xml version="1.0" encoding="utf-8"?>
-<p:sld xmlns:a="http://schemas.openxmlformats.org/drawingml/2006/main" xmlns:r="http://schemas.openxmlformats.org/officeDocument/2006/relationships" xmlns:p="http://schemas.openxmlformats.org/presentationml/2006/main">
-  <p:cSld>
-    <p:spTree>
-      <p:nvGrpSpPr>
-        <p:cNvPr id="1" name=""/>
-        <p:cNvGrpSpPr/>
-        <p:nvPr/>
-      </p:nvGrpSpPr>
-      <p:grpSpPr>
-        <a:xfrm>
-          <a:off x="0" y="0"/>
-          <a:ext cx="0" cy="0"/>
-          <a:chOff x="0" y="0"/>
-          <a:chExt cx="0" cy="0"/>
-        </a:xfrm>
-      </p:grpSpPr>
-      <p:sp>
-        <p:nvSpPr>
-          <p:cNvPr id="2" name="Title 1"/>
-          <p:cNvSpPr>
-            <a:spLocks noGrp="1"/>
-          </p:cNvSpPr>
-          <p:nvPr>
-            <p:ph type="title"/>
-          </p:nvPr>
-        </p:nvSpPr>
-        <p:spPr/>
-        <p:txBody>
-          <a:bodyPr/>
-          <a:lstStyle/>
-          <a:p>
-            <a:r>
-              <a:rPr lang="en-US" dirty="0" smtClean="0"/>
-              <a:t>Overview Lecture</a:t>
+              <a:t>What are the Burning Questions in microbial ecology?</a:t>
             </a:r>
             <a:endParaRPr lang="en-US" dirty="0"/>
           </a:p>
@@ -5039,87 +5559,49 @@
         <p:spPr/>
         <p:txBody>
           <a:bodyPr>
-            <a:normAutofit/>
+            <a:normAutofit lnSpcReduction="10000"/>
           </a:bodyPr>
           <a:lstStyle/>
           <a:p>
             <a:r>
               <a:rPr lang="en-US" dirty="0" smtClean="0"/>
-              <a:t>What are our loftiest goals for EDAMAME?</a:t>
-            </a:r>
-          </a:p>
-          <a:p>
+              <a:t>Exploration:  describing patterns, understanding diversity, discovery (e.g., rare biosphere, dark matter)</a:t>
+            </a:r>
+          </a:p>
+          <a:p>
+            <a:r>
+              <a:rPr lang="en-US" dirty="0"/>
+              <a:t>C</a:t>
+            </a:r>
             <a:r>
               <a:rPr lang="en-US" dirty="0" smtClean="0"/>
-              <a:t>Course logistics:  Schedule and expectations</a:t>
+              <a:t>ommunity structure – function relationships</a:t>
             </a:r>
           </a:p>
           <a:p>
             <a:r>
               <a:rPr lang="en-US" dirty="0" smtClean="0"/>
-              <a:t>Getting warmed up:  What </a:t>
-            </a:r>
-            <a:r>
-              <a:rPr lang="en-US" dirty="0"/>
-              <a:t>is a microbial community? </a:t>
-            </a:r>
-          </a:p>
-          <a:p>
-            <a:pPr lvl="1"/>
-            <a:r>
-              <a:rPr lang="en-US" dirty="0"/>
-              <a:t>Traits of microbial communities</a:t>
-            </a:r>
-          </a:p>
-          <a:p>
-            <a:pPr lvl="1"/>
-            <a:r>
-              <a:rPr lang="en-US" dirty="0"/>
-              <a:t>The </a:t>
-            </a:r>
+              <a:t>Sequencing SOP – active area of research.  How can we use this technology to answer our burning questions?</a:t>
+            </a:r>
+          </a:p>
+          <a:p>
             <a:r>
               <a:rPr lang="en-US" dirty="0" smtClean="0"/>
-              <a:t>”OTU”</a:t>
-            </a:r>
-            <a:endParaRPr lang="en-US" dirty="0"/>
+              <a:t>Host – microbe relationships</a:t>
+            </a:r>
           </a:p>
           <a:p>
             <a:r>
               <a:rPr lang="en-US" dirty="0" smtClean="0"/>
-              <a:t>Our Tutorial Dataset for the Week</a:t>
-            </a:r>
-            <a:endParaRPr lang="en-US" dirty="0"/>
-          </a:p>
-        </p:txBody>
-      </p:sp>
-      <p:sp>
-        <p:nvSpPr>
-          <p:cNvPr id="4" name="Slide Number Placeholder 3"/>
-          <p:cNvSpPr>
-            <a:spLocks noGrp="1"/>
-          </p:cNvSpPr>
-          <p:nvPr>
-            <p:ph type="sldNum" sz="quarter" idx="12"/>
-          </p:nvPr>
-        </p:nvSpPr>
-        <p:spPr/>
-        <p:txBody>
-          <a:bodyPr/>
-          <a:lstStyle/>
-          <a:p>
-            <a:fld id="{31CC0211-4BA6-4B43-84C8-291F5C1FE4B4}" type="slidenum">
-              <a:rPr lang="en-US" smtClean="0"/>
-              <a:pPr/>
-              <a:t>2</a:t>
-            </a:fld>
-            <a:endParaRPr lang="en-US"/>
+              <a:t>…many more!</a:t>
+            </a:r>
           </a:p>
         </p:txBody>
       </p:sp>
     </p:spTree>
     <p:extLst>
       <p:ext uri="{BB962C8B-B14F-4D97-AF65-F5344CB8AC3E}">
-        <p14:creationId xmlns:p14="http://schemas.microsoft.com/office/powerpoint/2010/main" val="1108173661"/>
+        <p14:creationId xmlns:p14="http://schemas.microsoft.com/office/powerpoint/2010/main" val="2221131180"/>
       </p:ext>
     </p:extLst>
   </p:cSld>
@@ -5129,129 +5611,285 @@
   <p:timing>
     <p:tnLst>
       <p:par>
-        <p:cTn xmlns:p14="http://schemas.microsoft.com/office/powerpoint/2010/main" id="1" dur="indefinite" restart="never" nodeType="tmRoot"/>
+        <p:cTn xmlns:p14="http://schemas.microsoft.com/office/powerpoint/2010/main" id="1" dur="indefinite" restart="never" nodeType="tmRoot">
+          <p:childTnLst>
+            <p:seq concurrent="1" nextAc="seek">
+              <p:cTn id="2" dur="indefinite" nodeType="mainSeq">
+                <p:childTnLst>
+                  <p:par>
+                    <p:cTn id="3" fill="hold">
+                      <p:stCondLst>
+                        <p:cond delay="indefinite"/>
+                      </p:stCondLst>
+                      <p:childTnLst>
+                        <p:par>
+                          <p:cTn id="4" fill="hold">
+                            <p:stCondLst>
+                              <p:cond delay="0"/>
+                            </p:stCondLst>
+                            <p:childTnLst>
+                              <p:par>
+                                <p:cTn id="5" presetID="1" presetClass="entr" presetSubtype="0" fill="hold" grpId="0" nodeType="clickEffect">
+                                  <p:stCondLst>
+                                    <p:cond delay="0"/>
+                                  </p:stCondLst>
+                                  <p:childTnLst>
+                                    <p:set>
+                                      <p:cBhvr>
+                                        <p:cTn id="6" dur="1" fill="hold">
+                                          <p:stCondLst>
+                                            <p:cond delay="0"/>
+                                          </p:stCondLst>
+                                        </p:cTn>
+                                        <p:tgtEl>
+                                          <p:spTgt spid="3">
+                                            <p:txEl>
+                                              <p:pRg st="0" end="0"/>
+                                            </p:txEl>
+                                          </p:spTgt>
+                                        </p:tgtEl>
+                                        <p:attrNameLst>
+                                          <p:attrName>style.visibility</p:attrName>
+                                        </p:attrNameLst>
+                                      </p:cBhvr>
+                                      <p:to>
+                                        <p:strVal val="visible"/>
+                                      </p:to>
+                                    </p:set>
+                                  </p:childTnLst>
+                                </p:cTn>
+                              </p:par>
+                            </p:childTnLst>
+                          </p:cTn>
+                        </p:par>
+                      </p:childTnLst>
+                    </p:cTn>
+                  </p:par>
+                  <p:par>
+                    <p:cTn id="7" fill="hold">
+                      <p:stCondLst>
+                        <p:cond delay="indefinite"/>
+                      </p:stCondLst>
+                      <p:childTnLst>
+                        <p:par>
+                          <p:cTn id="8" fill="hold">
+                            <p:stCondLst>
+                              <p:cond delay="0"/>
+                            </p:stCondLst>
+                            <p:childTnLst>
+                              <p:par>
+                                <p:cTn id="9" presetID="1" presetClass="entr" presetSubtype="0" fill="hold" grpId="0" nodeType="clickEffect">
+                                  <p:stCondLst>
+                                    <p:cond delay="0"/>
+                                  </p:stCondLst>
+                                  <p:childTnLst>
+                                    <p:set>
+                                      <p:cBhvr>
+                                        <p:cTn id="10" dur="1" fill="hold">
+                                          <p:stCondLst>
+                                            <p:cond delay="0"/>
+                                          </p:stCondLst>
+                                        </p:cTn>
+                                        <p:tgtEl>
+                                          <p:spTgt spid="3">
+                                            <p:txEl>
+                                              <p:pRg st="1" end="1"/>
+                                            </p:txEl>
+                                          </p:spTgt>
+                                        </p:tgtEl>
+                                        <p:attrNameLst>
+                                          <p:attrName>style.visibility</p:attrName>
+                                        </p:attrNameLst>
+                                      </p:cBhvr>
+                                      <p:to>
+                                        <p:strVal val="visible"/>
+                                      </p:to>
+                                    </p:set>
+                                  </p:childTnLst>
+                                </p:cTn>
+                              </p:par>
+                            </p:childTnLst>
+                          </p:cTn>
+                        </p:par>
+                      </p:childTnLst>
+                    </p:cTn>
+                  </p:par>
+                  <p:par>
+                    <p:cTn id="11" fill="hold">
+                      <p:stCondLst>
+                        <p:cond delay="indefinite"/>
+                      </p:stCondLst>
+                      <p:childTnLst>
+                        <p:par>
+                          <p:cTn id="12" fill="hold">
+                            <p:stCondLst>
+                              <p:cond delay="0"/>
+                            </p:stCondLst>
+                            <p:childTnLst>
+                              <p:par>
+                                <p:cTn id="13" presetID="1" presetClass="entr" presetSubtype="0" fill="hold" grpId="0" nodeType="clickEffect">
+                                  <p:stCondLst>
+                                    <p:cond delay="0"/>
+                                  </p:stCondLst>
+                                  <p:childTnLst>
+                                    <p:set>
+                                      <p:cBhvr>
+                                        <p:cTn id="14" dur="1" fill="hold">
+                                          <p:stCondLst>
+                                            <p:cond delay="0"/>
+                                          </p:stCondLst>
+                                        </p:cTn>
+                                        <p:tgtEl>
+                                          <p:spTgt spid="3">
+                                            <p:txEl>
+                                              <p:pRg st="2" end="2"/>
+                                            </p:txEl>
+                                          </p:spTgt>
+                                        </p:tgtEl>
+                                        <p:attrNameLst>
+                                          <p:attrName>style.visibility</p:attrName>
+                                        </p:attrNameLst>
+                                      </p:cBhvr>
+                                      <p:to>
+                                        <p:strVal val="visible"/>
+                                      </p:to>
+                                    </p:set>
+                                  </p:childTnLst>
+                                </p:cTn>
+                              </p:par>
+                            </p:childTnLst>
+                          </p:cTn>
+                        </p:par>
+                      </p:childTnLst>
+                    </p:cTn>
+                  </p:par>
+                  <p:par>
+                    <p:cTn id="15" fill="hold">
+                      <p:stCondLst>
+                        <p:cond delay="indefinite"/>
+                      </p:stCondLst>
+                      <p:childTnLst>
+                        <p:par>
+                          <p:cTn id="16" fill="hold">
+                            <p:stCondLst>
+                              <p:cond delay="0"/>
+                            </p:stCondLst>
+                            <p:childTnLst>
+                              <p:par>
+                                <p:cTn id="17" presetID="1" presetClass="entr" presetSubtype="0" fill="hold" grpId="0" nodeType="clickEffect">
+                                  <p:stCondLst>
+                                    <p:cond delay="0"/>
+                                  </p:stCondLst>
+                                  <p:childTnLst>
+                                    <p:set>
+                                      <p:cBhvr>
+                                        <p:cTn id="18" dur="1" fill="hold">
+                                          <p:stCondLst>
+                                            <p:cond delay="0"/>
+                                          </p:stCondLst>
+                                        </p:cTn>
+                                        <p:tgtEl>
+                                          <p:spTgt spid="3">
+                                            <p:txEl>
+                                              <p:pRg st="3" end="3"/>
+                                            </p:txEl>
+                                          </p:spTgt>
+                                        </p:tgtEl>
+                                        <p:attrNameLst>
+                                          <p:attrName>style.visibility</p:attrName>
+                                        </p:attrNameLst>
+                                      </p:cBhvr>
+                                      <p:to>
+                                        <p:strVal val="visible"/>
+                                      </p:to>
+                                    </p:set>
+                                  </p:childTnLst>
+                                </p:cTn>
+                              </p:par>
+                            </p:childTnLst>
+                          </p:cTn>
+                        </p:par>
+                      </p:childTnLst>
+                    </p:cTn>
+                  </p:par>
+                  <p:par>
+                    <p:cTn id="19" fill="hold">
+                      <p:stCondLst>
+                        <p:cond delay="indefinite"/>
+                      </p:stCondLst>
+                      <p:childTnLst>
+                        <p:par>
+                          <p:cTn id="20" fill="hold">
+                            <p:stCondLst>
+                              <p:cond delay="0"/>
+                            </p:stCondLst>
+                            <p:childTnLst>
+                              <p:par>
+                                <p:cTn id="21" presetID="1" presetClass="entr" presetSubtype="0" fill="hold" grpId="0" nodeType="clickEffect">
+                                  <p:stCondLst>
+                                    <p:cond delay="0"/>
+                                  </p:stCondLst>
+                                  <p:childTnLst>
+                                    <p:set>
+                                      <p:cBhvr>
+                                        <p:cTn id="22" dur="1" fill="hold">
+                                          <p:stCondLst>
+                                            <p:cond delay="0"/>
+                                          </p:stCondLst>
+                                        </p:cTn>
+                                        <p:tgtEl>
+                                          <p:spTgt spid="3">
+                                            <p:txEl>
+                                              <p:pRg st="4" end="4"/>
+                                            </p:txEl>
+                                          </p:spTgt>
+                                        </p:tgtEl>
+                                        <p:attrNameLst>
+                                          <p:attrName>style.visibility</p:attrName>
+                                        </p:attrNameLst>
+                                      </p:cBhvr>
+                                      <p:to>
+                                        <p:strVal val="visible"/>
+                                      </p:to>
+                                    </p:set>
+                                  </p:childTnLst>
+                                </p:cTn>
+                              </p:par>
+                            </p:childTnLst>
+                          </p:cTn>
+                        </p:par>
+                      </p:childTnLst>
+                    </p:cTn>
+                  </p:par>
+                </p:childTnLst>
+              </p:cTn>
+              <p:prevCondLst>
+                <p:cond evt="onPrev" delay="0">
+                  <p:tgtEl>
+                    <p:sldTgt/>
+                  </p:tgtEl>
+                </p:cond>
+              </p:prevCondLst>
+              <p:nextCondLst>
+                <p:cond evt="onNext" delay="0">
+                  <p:tgtEl>
+                    <p:sldTgt/>
+                  </p:tgtEl>
+                </p:cond>
+              </p:nextCondLst>
+            </p:seq>
+          </p:childTnLst>
+        </p:cTn>
       </p:par>
     </p:tnLst>
+    <p:bldLst>
+      <p:bldP spid="3" grpId="0" build="p"/>
+    </p:bldLst>
   </p:timing>
 </p:sld>
 </file>
 
-<file path=ppt/slides/slide20.xml><?xml version="1.0" encoding="utf-8"?>
-<p:sld xmlns:a="http://schemas.openxmlformats.org/drawingml/2006/main" xmlns:r="http://schemas.openxmlformats.org/officeDocument/2006/relationships" xmlns:p="http://schemas.openxmlformats.org/presentationml/2006/main">
-  <p:cSld>
-    <p:spTree>
-      <p:nvGrpSpPr>
-        <p:cNvPr id="1" name=""/>
-        <p:cNvGrpSpPr/>
-        <p:nvPr/>
-      </p:nvGrpSpPr>
-      <p:grpSpPr>
-        <a:xfrm>
-          <a:off x="0" y="0"/>
-          <a:ext cx="0" cy="0"/>
-          <a:chOff x="0" y="0"/>
-          <a:chExt cx="0" cy="0"/>
-        </a:xfrm>
-      </p:grpSpPr>
-      <p:sp>
-        <p:nvSpPr>
-          <p:cNvPr id="2" name="Title 1"/>
-          <p:cNvSpPr>
-            <a:spLocks noGrp="1"/>
-          </p:cNvSpPr>
-          <p:nvPr>
-            <p:ph type="title"/>
-          </p:nvPr>
-        </p:nvSpPr>
-        <p:spPr/>
-        <p:txBody>
-          <a:bodyPr/>
-          <a:lstStyle/>
-          <a:p>
-            <a:r>
-              <a:rPr lang="en-US" dirty="0" smtClean="0"/>
-              <a:t>Concluding thoughts</a:t>
-            </a:r>
-            <a:endParaRPr lang="en-US" dirty="0"/>
-          </a:p>
-        </p:txBody>
-      </p:sp>
-      <p:sp>
-        <p:nvSpPr>
-          <p:cNvPr id="3" name="Content Placeholder 2"/>
-          <p:cNvSpPr>
-            <a:spLocks noGrp="1"/>
-          </p:cNvSpPr>
-          <p:nvPr>
-            <p:ph idx="1"/>
-          </p:nvPr>
-        </p:nvSpPr>
-        <p:spPr/>
-        <p:txBody>
-          <a:bodyPr>
-            <a:normAutofit/>
-          </a:bodyPr>
-          <a:lstStyle/>
-          <a:p>
-            <a:r>
-              <a:rPr lang="en-US" sz="2400" dirty="0" smtClean="0"/>
-              <a:t>We want you to come out of this course with the confidence to try to tackle difficult things.</a:t>
-            </a:r>
-          </a:p>
-          <a:p>
-            <a:endParaRPr lang="en-US" sz="2400" dirty="0" smtClean="0"/>
-          </a:p>
-          <a:p>
-            <a:r>
-              <a:rPr lang="en-US" sz="2400" dirty="0" smtClean="0"/>
-              <a:t>...these things might not be easy and there will be hurdles, but we know you can handle it because you all are talented.</a:t>
-            </a:r>
-          </a:p>
-          <a:p>
-            <a:endParaRPr lang="en-US" sz="2400" dirty="0"/>
-          </a:p>
-          <a:p>
-            <a:r>
-              <a:rPr lang="en-US" sz="2400" dirty="0" smtClean="0"/>
-              <a:t>We’ll all work together to learn, question, analyze, and troubleshoot.</a:t>
-            </a:r>
-          </a:p>
-          <a:p>
-            <a:endParaRPr lang="en-US" sz="2400" dirty="0"/>
-          </a:p>
-          <a:p>
-            <a:r>
-              <a:rPr lang="en-US" sz="2400" dirty="0" smtClean="0"/>
-              <a:t>We’re going to have a lot of fun.</a:t>
-            </a:r>
-            <a:endParaRPr lang="en-US" sz="2400" dirty="0"/>
-          </a:p>
-          <a:p>
-            <a:endParaRPr lang="en-US" dirty="0"/>
-          </a:p>
-        </p:txBody>
-      </p:sp>
-    </p:spTree>
-    <p:extLst>
-      <p:ext uri="{BB962C8B-B14F-4D97-AF65-F5344CB8AC3E}">
-        <p14:creationId xmlns:p14="http://schemas.microsoft.com/office/powerpoint/2010/main" val="3779733298"/>
-      </p:ext>
-    </p:extLst>
-  </p:cSld>
-  <p:clrMapOvr>
-    <a:masterClrMapping/>
-  </p:clrMapOvr>
-  <p:timing>
-    <p:tnLst>
-      <p:par>
-        <p:cTn xmlns:p14="http://schemas.microsoft.com/office/powerpoint/2010/main" id="1" dur="indefinite" restart="never" nodeType="tmRoot"/>
-      </p:par>
-    </p:tnLst>
-  </p:timing>
-</p:sld>
-</file>
-
-<file path=ppt/slides/slide21.xml><?xml version="1.0" encoding="utf-8"?>
+<file path=ppt/slides/slide23.xml><?xml version="1.0" encoding="utf-8"?>
 <p:sld xmlns:a="http://schemas.openxmlformats.org/drawingml/2006/main" xmlns:r="http://schemas.openxmlformats.org/officeDocument/2006/relationships" xmlns:p="http://schemas.openxmlformats.org/presentationml/2006/main">
   <p:cSld>
     <p:spTree>
@@ -16380,7 +17018,7 @@
             <a:fld id="{31CC0211-4BA6-4B43-84C8-291F5C1FE4B4}" type="slidenum">
               <a:rPr lang="en-US" smtClean="0"/>
               <a:pPr/>
-              <a:t>21</a:t>
+              <a:t>23</a:t>
             </a:fld>
             <a:endParaRPr lang="en-US"/>
           </a:p>
@@ -16636,7 +17274,7 @@
 </p:sld>
 </file>
 
-<file path=ppt/slides/slide22.xml><?xml version="1.0" encoding="utf-8"?>
+<file path=ppt/slides/slide24.xml><?xml version="1.0" encoding="utf-8"?>
 <p:sld xmlns:a="http://schemas.openxmlformats.org/drawingml/2006/main" xmlns:r="http://schemas.openxmlformats.org/officeDocument/2006/relationships" xmlns:p="http://schemas.openxmlformats.org/presentationml/2006/main">
   <p:cSld>
     <p:spTree>
@@ -16737,7 +17375,7 @@
             <a:fld id="{31CC0211-4BA6-4B43-84C8-291F5C1FE4B4}" type="slidenum">
               <a:rPr lang="en-US" smtClean="0"/>
               <a:pPr/>
-              <a:t>22</a:t>
+              <a:t>24</a:t>
             </a:fld>
             <a:endParaRPr lang="en-US"/>
           </a:p>
@@ -16763,7 +17401,7 @@
 </p:sld>
 </file>
 
-<file path=ppt/slides/slide23.xml><?xml version="1.0" encoding="utf-8"?>
+<file path=ppt/slides/slide25.xml><?xml version="1.0" encoding="utf-8"?>
 <p:sld xmlns:a="http://schemas.openxmlformats.org/drawingml/2006/main" xmlns:r="http://schemas.openxmlformats.org/officeDocument/2006/relationships" xmlns:p="http://schemas.openxmlformats.org/presentationml/2006/main">
   <p:cSld>
     <p:spTree>
@@ -16942,7 +17580,7 @@
             <a:fld id="{31CC0211-4BA6-4B43-84C8-291F5C1FE4B4}" type="slidenum">
               <a:rPr lang="en-US" smtClean="0"/>
               <a:pPr/>
-              <a:t>23</a:t>
+              <a:t>25</a:t>
             </a:fld>
             <a:endParaRPr lang="en-US"/>
           </a:p>
@@ -16968,7 +17606,7 @@
 </p:sld>
 </file>
 
-<file path=ppt/slides/slide24.xml><?xml version="1.0" encoding="utf-8"?>
+<file path=ppt/slides/slide26.xml><?xml version="1.0" encoding="utf-8"?>
 <p:sld xmlns:a="http://schemas.openxmlformats.org/drawingml/2006/main" xmlns:r="http://schemas.openxmlformats.org/officeDocument/2006/relationships" xmlns:p="http://schemas.openxmlformats.org/presentationml/2006/main">
   <p:cSld>
     <p:spTree>
@@ -17526,7 +18164,7 @@
             <a:fld id="{31CC0211-4BA6-4B43-84C8-291F5C1FE4B4}" type="slidenum">
               <a:rPr lang="en-US" smtClean="0"/>
               <a:pPr/>
-              <a:t>24</a:t>
+              <a:t>26</a:t>
             </a:fld>
             <a:endParaRPr lang="en-US"/>
           </a:p>
@@ -17552,7 +18190,7 @@
 </p:sld>
 </file>
 
-<file path=ppt/slides/slide25.xml><?xml version="1.0" encoding="utf-8"?>
+<file path=ppt/slides/slide27.xml><?xml version="1.0" encoding="utf-8"?>
 <p:sld xmlns:a="http://schemas.openxmlformats.org/drawingml/2006/main" xmlns:r="http://schemas.openxmlformats.org/officeDocument/2006/relationships" xmlns:p="http://schemas.openxmlformats.org/presentationml/2006/main">
   <p:cSld>
     <p:spTree>
@@ -18059,7 +18697,7 @@
 </p:sld>
 </file>
 
-<file path=ppt/slides/slide26.xml><?xml version="1.0" encoding="utf-8"?>
+<file path=ppt/slides/slide28.xml><?xml version="1.0" encoding="utf-8"?>
 <p:sld xmlns:a="http://schemas.openxmlformats.org/drawingml/2006/main" xmlns:r="http://schemas.openxmlformats.org/officeDocument/2006/relationships" xmlns:p="http://schemas.openxmlformats.org/presentationml/2006/main">
   <p:cSld>
     <p:spTree>
@@ -18151,7 +18789,7 @@
 </p:sld>
 </file>
 
-<file path=ppt/slides/slide27.xml><?xml version="1.0" encoding="utf-8"?>
+<file path=ppt/slides/slide29.xml><?xml version="1.0" encoding="utf-8"?>
 <p:sld xmlns:a="http://schemas.openxmlformats.org/drawingml/2006/main" xmlns:r="http://schemas.openxmlformats.org/officeDocument/2006/relationships" xmlns:p="http://schemas.openxmlformats.org/presentationml/2006/main">
   <p:cSld>
     <p:spTree>
@@ -18271,7 +18909,166 @@
 </p:sld>
 </file>
 
-<file path=ppt/slides/slide28.xml><?xml version="1.0" encoding="utf-8"?>
+<file path=ppt/slides/slide3.xml><?xml version="1.0" encoding="utf-8"?>
+<p:sld xmlns:a="http://schemas.openxmlformats.org/drawingml/2006/main" xmlns:r="http://schemas.openxmlformats.org/officeDocument/2006/relationships" xmlns:p="http://schemas.openxmlformats.org/presentationml/2006/main">
+  <p:cSld>
+    <p:spTree>
+      <p:nvGrpSpPr>
+        <p:cNvPr id="1" name=""/>
+        <p:cNvGrpSpPr/>
+        <p:nvPr/>
+      </p:nvGrpSpPr>
+      <p:grpSpPr>
+        <a:xfrm>
+          <a:off x="0" y="0"/>
+          <a:ext cx="0" cy="0"/>
+          <a:chOff x="0" y="0"/>
+          <a:chExt cx="0" cy="0"/>
+        </a:xfrm>
+      </p:grpSpPr>
+      <p:sp>
+        <p:nvSpPr>
+          <p:cNvPr id="2" name="Title 1"/>
+          <p:cNvSpPr>
+            <a:spLocks noGrp="1"/>
+          </p:cNvSpPr>
+          <p:nvPr>
+            <p:ph type="title"/>
+          </p:nvPr>
+        </p:nvSpPr>
+        <p:spPr/>
+        <p:txBody>
+          <a:bodyPr/>
+          <a:lstStyle/>
+          <a:p>
+            <a:r>
+              <a:rPr lang="en-US" dirty="0" smtClean="0"/>
+              <a:t>Overview Lecture</a:t>
+            </a:r>
+            <a:endParaRPr lang="en-US" dirty="0"/>
+          </a:p>
+        </p:txBody>
+      </p:sp>
+      <p:sp>
+        <p:nvSpPr>
+          <p:cNvPr id="3" name="Content Placeholder 2"/>
+          <p:cNvSpPr>
+            <a:spLocks noGrp="1"/>
+          </p:cNvSpPr>
+          <p:nvPr>
+            <p:ph idx="1"/>
+          </p:nvPr>
+        </p:nvSpPr>
+        <p:spPr/>
+        <p:txBody>
+          <a:bodyPr>
+            <a:normAutofit/>
+          </a:bodyPr>
+          <a:lstStyle/>
+          <a:p>
+            <a:r>
+              <a:rPr lang="en-US" dirty="0" smtClean="0"/>
+              <a:t>Our goals </a:t>
+            </a:r>
+            <a:r>
+              <a:rPr lang="en-US" dirty="0" smtClean="0"/>
+              <a:t>for </a:t>
+            </a:r>
+            <a:r>
+              <a:rPr lang="en-US" dirty="0" smtClean="0"/>
+              <a:t>EDAMAME</a:t>
+            </a:r>
+            <a:endParaRPr lang="en-US" dirty="0" smtClean="0"/>
+          </a:p>
+          <a:p>
+            <a:r>
+              <a:rPr lang="en-US" dirty="0" smtClean="0"/>
+              <a:t>Course logistics:  Schedule and expectations</a:t>
+            </a:r>
+          </a:p>
+          <a:p>
+            <a:r>
+              <a:rPr lang="en-US" dirty="0" smtClean="0"/>
+              <a:t>Getting warmed up:  What </a:t>
+            </a:r>
+            <a:r>
+              <a:rPr lang="en-US" dirty="0"/>
+              <a:t>is a microbial community? </a:t>
+            </a:r>
+          </a:p>
+          <a:p>
+            <a:pPr lvl="1"/>
+            <a:r>
+              <a:rPr lang="en-US" dirty="0"/>
+              <a:t>Traits of microbial communities</a:t>
+            </a:r>
+          </a:p>
+          <a:p>
+            <a:pPr lvl="1"/>
+            <a:r>
+              <a:rPr lang="en-US" dirty="0"/>
+              <a:t>The </a:t>
+            </a:r>
+            <a:r>
+              <a:rPr lang="en-US" dirty="0" smtClean="0"/>
+              <a:t>”OTU”</a:t>
+            </a:r>
+            <a:endParaRPr lang="en-US" dirty="0"/>
+          </a:p>
+          <a:p>
+            <a:r>
+              <a:rPr lang="en-US" dirty="0" smtClean="0"/>
+              <a:t>Our Tutorial Dataset for the Week</a:t>
+            </a:r>
+            <a:endParaRPr lang="en-US" dirty="0"/>
+          </a:p>
+        </p:txBody>
+      </p:sp>
+      <p:sp>
+        <p:nvSpPr>
+          <p:cNvPr id="4" name="Slide Number Placeholder 3"/>
+          <p:cNvSpPr>
+            <a:spLocks noGrp="1"/>
+          </p:cNvSpPr>
+          <p:nvPr>
+            <p:ph type="sldNum" sz="quarter" idx="12"/>
+          </p:nvPr>
+        </p:nvSpPr>
+        <p:spPr/>
+        <p:txBody>
+          <a:bodyPr/>
+          <a:lstStyle/>
+          <a:p>
+            <a:fld id="{31CC0211-4BA6-4B43-84C8-291F5C1FE4B4}" type="slidenum">
+              <a:rPr lang="en-US" smtClean="0"/>
+              <a:pPr/>
+              <a:t>3</a:t>
+            </a:fld>
+            <a:endParaRPr lang="en-US"/>
+          </a:p>
+        </p:txBody>
+      </p:sp>
+    </p:spTree>
+    <p:extLst>
+      <p:ext uri="{BB962C8B-B14F-4D97-AF65-F5344CB8AC3E}">
+        <p14:creationId xmlns:p14="http://schemas.microsoft.com/office/powerpoint/2010/main" val="1108173661"/>
+      </p:ext>
+    </p:extLst>
+  </p:cSld>
+  <p:clrMapOvr>
+    <a:masterClrMapping/>
+  </p:clrMapOvr>
+  <p:timing>
+    <p:tnLst>
+      <p:par>
+        <p:cTn xmlns:p14="http://schemas.microsoft.com/office/powerpoint/2010/main" id="1" dur="indefinite" restart="never" nodeType="tmRoot"/>
+      </p:par>
+    </p:tnLst>
+  </p:timing>
+</p:sld>
+</file>
+
+<file path=ppt/slides/slide30.xml><?xml version="1.0" encoding="utf-8"?>
 <p:sld xmlns:a="http://schemas.openxmlformats.org/drawingml/2006/main" xmlns:r="http://schemas.openxmlformats.org/officeDocument/2006/relationships" xmlns:p="http://schemas.openxmlformats.org/presentationml/2006/main">
   <p:cSld>
     <p:spTree>
@@ -18384,22 +19181,18 @@
             <a:pPr lvl="1"/>
             <a:r>
               <a:rPr lang="en-US" dirty="0" smtClean="0"/>
-              <a:t>Novel antibiotic producers?  </a:t>
-            </a:r>
-            <a:r>
-              <a:rPr lang="en-US" dirty="0" err="1" smtClean="0"/>
-              <a:t>Lantibiotics</a:t>
-            </a:r>
-            <a:r>
-              <a:rPr lang="en-US" dirty="0"/>
-              <a:t>.</a:t>
+              <a:t>Novel antibiotic producers? </a:t>
             </a:r>
             <a:endParaRPr lang="en-US" dirty="0" smtClean="0"/>
           </a:p>
           <a:p>
             <a:r>
               <a:rPr lang="en-US" dirty="0" smtClean="0"/>
-              <a:t>Is Centralia a site of novel microbial diversity?</a:t>
+              <a:t>Is </a:t>
+            </a:r>
+            <a:r>
+              <a:rPr lang="en-US" dirty="0" smtClean="0"/>
+              <a:t>Centralia a site of novel microbial diversity?</a:t>
             </a:r>
           </a:p>
         </p:txBody>
@@ -18417,7 +19210,7 @@
 </p:sld>
 </file>
 
-<file path=ppt/slides/slide29.xml><?xml version="1.0" encoding="utf-8"?>
+<file path=ppt/slides/slide31.xml><?xml version="1.0" encoding="utf-8"?>
 <p:sld xmlns:a="http://schemas.openxmlformats.org/drawingml/2006/main" xmlns:r="http://schemas.openxmlformats.org/officeDocument/2006/relationships" xmlns:p="http://schemas.openxmlformats.org/presentationml/2006/main">
   <p:cSld>
     <p:spTree>
@@ -18798,7 +19591,7 @@
               <a:pPr>
                 <a:defRPr/>
               </a:pPr>
-              <a:t>29</a:t>
+              <a:t>31</a:t>
             </a:fld>
             <a:endParaRPr lang="en-US"/>
           </a:p>
@@ -19172,392 +19965,7 @@
 </p:sld>
 </file>
 
-<file path=ppt/slides/slide3.xml><?xml version="1.0" encoding="utf-8"?>
-<p:sld xmlns:a="http://schemas.openxmlformats.org/drawingml/2006/main" xmlns:r="http://schemas.openxmlformats.org/officeDocument/2006/relationships" xmlns:p="http://schemas.openxmlformats.org/presentationml/2006/main">
-  <p:cSld>
-    <p:spTree>
-      <p:nvGrpSpPr>
-        <p:cNvPr id="1" name=""/>
-        <p:cNvGrpSpPr/>
-        <p:nvPr/>
-      </p:nvGrpSpPr>
-      <p:grpSpPr>
-        <a:xfrm>
-          <a:off x="0" y="0"/>
-          <a:ext cx="0" cy="0"/>
-          <a:chOff x="0" y="0"/>
-          <a:chExt cx="0" cy="0"/>
-        </a:xfrm>
-      </p:grpSpPr>
-      <p:sp>
-        <p:nvSpPr>
-          <p:cNvPr id="2" name="Title 1"/>
-          <p:cNvSpPr>
-            <a:spLocks noGrp="1"/>
-          </p:cNvSpPr>
-          <p:nvPr>
-            <p:ph type="title"/>
-          </p:nvPr>
-        </p:nvSpPr>
-        <p:spPr/>
-        <p:txBody>
-          <a:bodyPr>
-            <a:normAutofit fontScale="90000"/>
-          </a:bodyPr>
-          <a:lstStyle/>
-          <a:p>
-            <a:r>
-              <a:rPr lang="en-US" dirty="0" smtClean="0"/>
-              <a:t>What are the Burning Questions in microbial ecology?</a:t>
-            </a:r>
-            <a:endParaRPr lang="en-US" dirty="0"/>
-          </a:p>
-        </p:txBody>
-      </p:sp>
-      <p:sp>
-        <p:nvSpPr>
-          <p:cNvPr id="3" name="Content Placeholder 2"/>
-          <p:cNvSpPr>
-            <a:spLocks noGrp="1"/>
-          </p:cNvSpPr>
-          <p:nvPr>
-            <p:ph idx="1"/>
-          </p:nvPr>
-        </p:nvSpPr>
-        <p:spPr/>
-        <p:txBody>
-          <a:bodyPr>
-            <a:normAutofit lnSpcReduction="10000"/>
-          </a:bodyPr>
-          <a:lstStyle/>
-          <a:p>
-            <a:r>
-              <a:rPr lang="en-US" dirty="0" smtClean="0"/>
-              <a:t>Exploration:  describing patterns, understanding diversity, discovery (e.g., rare biosphere, dark matter)</a:t>
-            </a:r>
-          </a:p>
-          <a:p>
-            <a:r>
-              <a:rPr lang="en-US" dirty="0"/>
-              <a:t>C</a:t>
-            </a:r>
-            <a:r>
-              <a:rPr lang="en-US" dirty="0" smtClean="0"/>
-              <a:t>ommunity structure – function relationships</a:t>
-            </a:r>
-          </a:p>
-          <a:p>
-            <a:r>
-              <a:rPr lang="en-US" dirty="0" smtClean="0"/>
-              <a:t>Sequencing SOP – active area of research.  How can we use this technology to answer our burning questions?</a:t>
-            </a:r>
-          </a:p>
-          <a:p>
-            <a:r>
-              <a:rPr lang="en-US" dirty="0" smtClean="0"/>
-              <a:t>Host – microbe relationships</a:t>
-            </a:r>
-          </a:p>
-          <a:p>
-            <a:r>
-              <a:rPr lang="en-US" dirty="0" smtClean="0"/>
-              <a:t>…many more!</a:t>
-            </a:r>
-          </a:p>
-        </p:txBody>
-      </p:sp>
-    </p:spTree>
-    <p:extLst>
-      <p:ext uri="{BB962C8B-B14F-4D97-AF65-F5344CB8AC3E}">
-        <p14:creationId xmlns:p14="http://schemas.microsoft.com/office/powerpoint/2010/main" val="2221131180"/>
-      </p:ext>
-    </p:extLst>
-  </p:cSld>
-  <p:clrMapOvr>
-    <a:masterClrMapping/>
-  </p:clrMapOvr>
-  <p:timing>
-    <p:tnLst>
-      <p:par>
-        <p:cTn xmlns:p14="http://schemas.microsoft.com/office/powerpoint/2010/main" id="1" dur="indefinite" restart="never" nodeType="tmRoot">
-          <p:childTnLst>
-            <p:seq concurrent="1" nextAc="seek">
-              <p:cTn id="2" dur="indefinite" nodeType="mainSeq">
-                <p:childTnLst>
-                  <p:par>
-                    <p:cTn id="3" fill="hold">
-                      <p:stCondLst>
-                        <p:cond delay="indefinite"/>
-                      </p:stCondLst>
-                      <p:childTnLst>
-                        <p:par>
-                          <p:cTn id="4" fill="hold">
-                            <p:stCondLst>
-                              <p:cond delay="0"/>
-                            </p:stCondLst>
-                            <p:childTnLst>
-                              <p:par>
-                                <p:cTn id="5" presetID="1" presetClass="entr" presetSubtype="0" fill="hold" grpId="0" nodeType="clickEffect">
-                                  <p:stCondLst>
-                                    <p:cond delay="0"/>
-                                  </p:stCondLst>
-                                  <p:childTnLst>
-                                    <p:set>
-                                      <p:cBhvr>
-                                        <p:cTn id="6" dur="1" fill="hold">
-                                          <p:stCondLst>
-                                            <p:cond delay="0"/>
-                                          </p:stCondLst>
-                                        </p:cTn>
-                                        <p:tgtEl>
-                                          <p:spTgt spid="3">
-                                            <p:txEl>
-                                              <p:pRg st="0" end="0"/>
-                                            </p:txEl>
-                                          </p:spTgt>
-                                        </p:tgtEl>
-                                        <p:attrNameLst>
-                                          <p:attrName>style.visibility</p:attrName>
-                                        </p:attrNameLst>
-                                      </p:cBhvr>
-                                      <p:to>
-                                        <p:strVal val="visible"/>
-                                      </p:to>
-                                    </p:set>
-                                  </p:childTnLst>
-                                </p:cTn>
-                              </p:par>
-                            </p:childTnLst>
-                          </p:cTn>
-                        </p:par>
-                      </p:childTnLst>
-                    </p:cTn>
-                  </p:par>
-                  <p:par>
-                    <p:cTn id="7" fill="hold">
-                      <p:stCondLst>
-                        <p:cond delay="indefinite"/>
-                      </p:stCondLst>
-                      <p:childTnLst>
-                        <p:par>
-                          <p:cTn id="8" fill="hold">
-                            <p:stCondLst>
-                              <p:cond delay="0"/>
-                            </p:stCondLst>
-                            <p:childTnLst>
-                              <p:par>
-                                <p:cTn id="9" presetID="1" presetClass="entr" presetSubtype="0" fill="hold" grpId="0" nodeType="clickEffect">
-                                  <p:stCondLst>
-                                    <p:cond delay="0"/>
-                                  </p:stCondLst>
-                                  <p:childTnLst>
-                                    <p:set>
-                                      <p:cBhvr>
-                                        <p:cTn id="10" dur="1" fill="hold">
-                                          <p:stCondLst>
-                                            <p:cond delay="0"/>
-                                          </p:stCondLst>
-                                        </p:cTn>
-                                        <p:tgtEl>
-                                          <p:spTgt spid="3">
-                                            <p:txEl>
-                                              <p:pRg st="1" end="1"/>
-                                            </p:txEl>
-                                          </p:spTgt>
-                                        </p:tgtEl>
-                                        <p:attrNameLst>
-                                          <p:attrName>style.visibility</p:attrName>
-                                        </p:attrNameLst>
-                                      </p:cBhvr>
-                                      <p:to>
-                                        <p:strVal val="visible"/>
-                                      </p:to>
-                                    </p:set>
-                                  </p:childTnLst>
-                                </p:cTn>
-                              </p:par>
-                            </p:childTnLst>
-                          </p:cTn>
-                        </p:par>
-                      </p:childTnLst>
-                    </p:cTn>
-                  </p:par>
-                  <p:par>
-                    <p:cTn id="11" fill="hold">
-                      <p:stCondLst>
-                        <p:cond delay="indefinite"/>
-                      </p:stCondLst>
-                      <p:childTnLst>
-                        <p:par>
-                          <p:cTn id="12" fill="hold">
-                            <p:stCondLst>
-                              <p:cond delay="0"/>
-                            </p:stCondLst>
-                            <p:childTnLst>
-                              <p:par>
-                                <p:cTn id="13" presetID="1" presetClass="entr" presetSubtype="0" fill="hold" grpId="0" nodeType="clickEffect">
-                                  <p:stCondLst>
-                                    <p:cond delay="0"/>
-                                  </p:stCondLst>
-                                  <p:childTnLst>
-                                    <p:set>
-                                      <p:cBhvr>
-                                        <p:cTn id="14" dur="1" fill="hold">
-                                          <p:stCondLst>
-                                            <p:cond delay="0"/>
-                                          </p:stCondLst>
-                                        </p:cTn>
-                                        <p:tgtEl>
-                                          <p:spTgt spid="3">
-                                            <p:txEl>
-                                              <p:pRg st="2" end="2"/>
-                                            </p:txEl>
-                                          </p:spTgt>
-                                        </p:tgtEl>
-                                        <p:attrNameLst>
-                                          <p:attrName>style.visibility</p:attrName>
-                                        </p:attrNameLst>
-                                      </p:cBhvr>
-                                      <p:to>
-                                        <p:strVal val="visible"/>
-                                      </p:to>
-                                    </p:set>
-                                  </p:childTnLst>
-                                </p:cTn>
-                              </p:par>
-                            </p:childTnLst>
-                          </p:cTn>
-                        </p:par>
-                      </p:childTnLst>
-                    </p:cTn>
-                  </p:par>
-                  <p:par>
-                    <p:cTn id="15" fill="hold">
-                      <p:stCondLst>
-                        <p:cond delay="indefinite"/>
-                      </p:stCondLst>
-                      <p:childTnLst>
-                        <p:par>
-                          <p:cTn id="16" fill="hold">
-                            <p:stCondLst>
-                              <p:cond delay="0"/>
-                            </p:stCondLst>
-                            <p:childTnLst>
-                              <p:par>
-                                <p:cTn id="17" presetID="1" presetClass="entr" presetSubtype="0" fill="hold" grpId="0" nodeType="clickEffect">
-                                  <p:stCondLst>
-                                    <p:cond delay="0"/>
-                                  </p:stCondLst>
-                                  <p:childTnLst>
-                                    <p:set>
-                                      <p:cBhvr>
-                                        <p:cTn id="18" dur="1" fill="hold">
-                                          <p:stCondLst>
-                                            <p:cond delay="0"/>
-                                          </p:stCondLst>
-                                        </p:cTn>
-                                        <p:tgtEl>
-                                          <p:spTgt spid="3">
-                                            <p:txEl>
-                                              <p:pRg st="3" end="3"/>
-                                            </p:txEl>
-                                          </p:spTgt>
-                                        </p:tgtEl>
-                                        <p:attrNameLst>
-                                          <p:attrName>style.visibility</p:attrName>
-                                        </p:attrNameLst>
-                                      </p:cBhvr>
-                                      <p:to>
-                                        <p:strVal val="visible"/>
-                                      </p:to>
-                                    </p:set>
-                                  </p:childTnLst>
-                                </p:cTn>
-                              </p:par>
-                            </p:childTnLst>
-                          </p:cTn>
-                        </p:par>
-                      </p:childTnLst>
-                    </p:cTn>
-                  </p:par>
-                  <p:par>
-                    <p:cTn id="19" fill="hold">
-                      <p:stCondLst>
-                        <p:cond delay="indefinite"/>
-                      </p:stCondLst>
-                      <p:childTnLst>
-                        <p:par>
-                          <p:cTn id="20" fill="hold">
-                            <p:stCondLst>
-                              <p:cond delay="0"/>
-                            </p:stCondLst>
-                            <p:childTnLst>
-                              <p:par>
-                                <p:cTn id="21" presetID="1" presetClass="entr" presetSubtype="0" fill="hold" grpId="0" nodeType="clickEffect">
-                                  <p:stCondLst>
-                                    <p:cond delay="0"/>
-                                  </p:stCondLst>
-                                  <p:childTnLst>
-                                    <p:set>
-                                      <p:cBhvr>
-                                        <p:cTn id="22" dur="1" fill="hold">
-                                          <p:stCondLst>
-                                            <p:cond delay="0"/>
-                                          </p:stCondLst>
-                                        </p:cTn>
-                                        <p:tgtEl>
-                                          <p:spTgt spid="3">
-                                            <p:txEl>
-                                              <p:pRg st="4" end="4"/>
-                                            </p:txEl>
-                                          </p:spTgt>
-                                        </p:tgtEl>
-                                        <p:attrNameLst>
-                                          <p:attrName>style.visibility</p:attrName>
-                                        </p:attrNameLst>
-                                      </p:cBhvr>
-                                      <p:to>
-                                        <p:strVal val="visible"/>
-                                      </p:to>
-                                    </p:set>
-                                  </p:childTnLst>
-                                </p:cTn>
-                              </p:par>
-                            </p:childTnLst>
-                          </p:cTn>
-                        </p:par>
-                      </p:childTnLst>
-                    </p:cTn>
-                  </p:par>
-                </p:childTnLst>
-              </p:cTn>
-              <p:prevCondLst>
-                <p:cond evt="onPrev" delay="0">
-                  <p:tgtEl>
-                    <p:sldTgt/>
-                  </p:tgtEl>
-                </p:cond>
-              </p:prevCondLst>
-              <p:nextCondLst>
-                <p:cond evt="onNext" delay="0">
-                  <p:tgtEl>
-                    <p:sldTgt/>
-                  </p:tgtEl>
-                </p:cond>
-              </p:nextCondLst>
-            </p:seq>
-          </p:childTnLst>
-        </p:cTn>
-      </p:par>
-    </p:tnLst>
-    <p:bldLst>
-      <p:bldP spid="3" grpId="0" build="p"/>
-    </p:bldLst>
-  </p:timing>
-</p:sld>
-</file>
-
-<file path=ppt/slides/slide30.xml><?xml version="1.0" encoding="utf-8"?>
+<file path=ppt/slides/slide32.xml><?xml version="1.0" encoding="utf-8"?>
 <p:sld xmlns:a="http://schemas.openxmlformats.org/drawingml/2006/main" xmlns:r="http://schemas.openxmlformats.org/officeDocument/2006/relationships" xmlns:p="http://schemas.openxmlformats.org/presentationml/2006/main">
   <p:cSld>
     <p:spTree>
@@ -20553,7 +20961,7 @@
               <a:pPr>
                 <a:defRPr/>
               </a:pPr>
-              <a:t>30</a:t>
+              <a:t>32</a:t>
             </a:fld>
             <a:endParaRPr lang="en-US" dirty="0"/>
           </a:p>
@@ -20830,7 +21238,7 @@
 </p:sld>
 </file>
 
-<file path=ppt/slides/slide31.xml><?xml version="1.0" encoding="utf-8"?>
+<file path=ppt/slides/slide33.xml><?xml version="1.0" encoding="utf-8"?>
 <p:sld xmlns:a="http://schemas.openxmlformats.org/drawingml/2006/main" xmlns:r="http://schemas.openxmlformats.org/officeDocument/2006/relationships" xmlns:p="http://schemas.openxmlformats.org/presentationml/2006/main">
   <p:cSld>
     <p:spTree>
@@ -20883,7 +21291,7 @@
         <p:spPr/>
         <p:txBody>
           <a:bodyPr>
-            <a:normAutofit fontScale="85000" lnSpcReduction="10000"/>
+            <a:normAutofit lnSpcReduction="10000"/>
           </a:bodyPr>
           <a:lstStyle/>
           <a:p>
@@ -20919,7 +21327,15 @@
             </a:r>
             <a:r>
               <a:rPr lang="en-US" dirty="0" smtClean="0"/>
-              <a:t> sequencing on each of 3 replicate DNA extractions.  54 total samples</a:t>
+              <a:t> sequencing on each of 3 replicate DNA extractions.  54 total </a:t>
+            </a:r>
+            <a:r>
+              <a:rPr lang="en-US" dirty="0" err="1" smtClean="0"/>
+              <a:t>amplicon</a:t>
+            </a:r>
+            <a:r>
+              <a:rPr lang="en-US" dirty="0" smtClean="0"/>
+              <a:t> samples</a:t>
             </a:r>
           </a:p>
           <a:p>
@@ -20943,22 +21359,13 @@
             </a:r>
             <a:r>
               <a:rPr lang="en-US" dirty="0" smtClean="0"/>
-              <a:t> sequencing on the DNA extracted from the soil of an active vent sample, Cen13 (temperature = 57 C) – 1 sample</a:t>
-            </a:r>
-          </a:p>
-          <a:p>
-            <a:pPr marL="971550" lvl="1" indent="-514350">
-              <a:buFont typeface="+mj-lt"/>
-              <a:buAutoNum type="arabicPeriod"/>
-            </a:pPr>
-            <a:r>
-              <a:rPr lang="en-US" dirty="0" err="1" smtClean="0"/>
-              <a:t>Metagenome</a:t>
+              <a:t> sequencing on the DNA extracted from the soil of an active vent sample, Cen13 (temperature = 57 C) – 1 </a:t>
             </a:r>
             <a:r>
               <a:rPr lang="en-US" dirty="0" smtClean="0"/>
-              <a:t> sequencing on a pool of thermophiles cultivated on TSA - 60Celsius from the soil from Cen13 – 1 sample</a:t>
-            </a:r>
+              <a:t>sample</a:t>
+            </a:r>
+            <a:endParaRPr lang="en-US" dirty="0" smtClean="0"/>
           </a:p>
         </p:txBody>
       </p:sp>
@@ -20975,7 +21382,7 @@
 </p:sld>
 </file>
 
-<file path=ppt/slides/slide32.xml><?xml version="1.0" encoding="utf-8"?>
+<file path=ppt/slides/slide34.xml><?xml version="1.0" encoding="utf-8"?>
 <p:sld xmlns:a="http://schemas.openxmlformats.org/drawingml/2006/main" xmlns:r="http://schemas.openxmlformats.org/officeDocument/2006/relationships" xmlns:p="http://schemas.openxmlformats.org/presentationml/2006/main">
   <p:cSld>
     <p:spTree>
@@ -21011,7 +21418,7 @@
           <a:p>
             <a:r>
               <a:rPr lang="en-US" dirty="0" smtClean="0"/>
-              <a:t>Other things you should know about these datasets</a:t>
+              <a:t>Other things you should know about these datasets/ analyses</a:t>
             </a:r>
             <a:endParaRPr lang="en-US" dirty="0"/>
           </a:p>
@@ -21029,13 +21436,54 @@
         </p:nvSpPr>
         <p:spPr/>
         <p:txBody>
-          <a:bodyPr/>
+          <a:bodyPr>
+            <a:normAutofit lnSpcReduction="10000"/>
+          </a:bodyPr>
           <a:lstStyle/>
           <a:p>
             <a:r>
               <a:rPr lang="en-US" dirty="0" smtClean="0"/>
-              <a:t>Sequenced VERY deeply – we will be working with a smaller dataset subsampled randomly from the full dataset</a:t>
-            </a:r>
+              <a:t>Sequenced VERY deeply</a:t>
+            </a:r>
+          </a:p>
+          <a:p>
+            <a:pPr lvl="1"/>
+            <a:r>
+              <a:rPr lang="en-US" dirty="0"/>
+              <a:t>W</a:t>
+            </a:r>
+            <a:r>
+              <a:rPr lang="en-US" dirty="0" smtClean="0"/>
+              <a:t>e will be working with small datasets subsampled randomly from the full datasets</a:t>
+            </a:r>
+          </a:p>
+          <a:p>
+            <a:pPr lvl="1"/>
+            <a:r>
+              <a:rPr lang="en-US" dirty="0" smtClean="0"/>
+              <a:t>Subsampling is key for developing a workflow/troubleshooting scripts </a:t>
+            </a:r>
+          </a:p>
+          <a:p>
+            <a:r>
+              <a:rPr lang="en-US" dirty="0" smtClean="0"/>
+              <a:t>We will be working entirely on “the cloud” using Amazon</a:t>
+            </a:r>
+          </a:p>
+          <a:p>
+            <a:r>
+              <a:rPr lang="en-US" dirty="0" smtClean="0"/>
+              <a:t>Please attribute the EDAMAME tutorials if you use or share them.  We have </a:t>
+            </a:r>
+            <a:r>
+              <a:rPr lang="en-US" dirty="0" smtClean="0"/>
+              <a:t>a CC-BY license.</a:t>
+            </a:r>
+            <a:endParaRPr lang="en-US" dirty="0" smtClean="0"/>
+          </a:p>
+          <a:p>
+            <a:pPr lvl="1"/>
+            <a:endParaRPr lang="en-US" dirty="0" smtClean="0"/>
           </a:p>
         </p:txBody>
       </p:sp>
@@ -21282,8 +21730,17 @@
           <a:p>
             <a:r>
               <a:rPr lang="en-US" sz="2400" dirty="0" smtClean="0"/>
-              <a:t>Lots of help from many people with different backgrounds</a:t>
-            </a:r>
+              <a:t>Lots of help from many people with different </a:t>
+            </a:r>
+            <a:r>
+              <a:rPr lang="en-US" sz="2400" dirty="0" smtClean="0"/>
+              <a:t>backgrounds – help each other out.  </a:t>
+            </a:r>
+            <a:r>
+              <a:rPr lang="en-US" sz="2400" dirty="0" smtClean="0"/>
+              <a:t>Share your expertise and discuss challenges/troubleshoot together</a:t>
+            </a:r>
+            <a:endParaRPr lang="en-US" sz="2400" dirty="0" smtClean="0"/>
           </a:p>
           <a:p>
             <a:endParaRPr lang="en-US" sz="2400" dirty="0"/>
@@ -21411,8 +21868,17 @@
           <a:p>
             <a:r>
               <a:rPr lang="en-US" sz="2400" dirty="0" smtClean="0"/>
-              <a:t>Acceptance (in both directions)</a:t>
-            </a:r>
+              <a:t>Acceptance and patience </a:t>
+            </a:r>
+            <a:r>
+              <a:rPr lang="en-US" sz="2400" dirty="0" smtClean="0"/>
+              <a:t>(in both directions</a:t>
+            </a:r>
+            <a:r>
+              <a:rPr lang="en-US" sz="2400" dirty="0" smtClean="0"/>
+              <a:t>) </a:t>
+            </a:r>
+            <a:endParaRPr lang="en-US" sz="2400" dirty="0" smtClean="0"/>
           </a:p>
           <a:p>
             <a:endParaRPr lang="en-US" dirty="0" smtClean="0"/>
@@ -21586,7 +22052,7 @@
       </p:grpSpPr>
       <p:sp>
         <p:nvSpPr>
-          <p:cNvPr id="3" name="Title 2"/>
+          <p:cNvPr id="2" name="Title 1"/>
           <p:cNvSpPr>
             <a:spLocks noGrp="1"/>
           </p:cNvSpPr>
@@ -21594,21 +22060,14 @@
             <p:ph type="title"/>
           </p:nvPr>
         </p:nvSpPr>
-        <p:spPr>
-          <a:xfrm>
-            <a:off x="457199" y="152718"/>
-            <a:ext cx="8447741" cy="1371600"/>
-          </a:xfrm>
-        </p:spPr>
+        <p:spPr/>
         <p:txBody>
-          <a:bodyPr>
-            <a:normAutofit fontScale="90000"/>
-          </a:bodyPr>
+          <a:bodyPr/>
           <a:lstStyle/>
           <a:p>
             <a:r>
               <a:rPr lang="en-US" dirty="0" smtClean="0"/>
-              <a:t>A Snapshot of our action packed days (tentative)</a:t>
+              <a:t>Our Learning Goals</a:t>
             </a:r>
             <a:endParaRPr lang="en-US" dirty="0"/>
           </a:p>
@@ -21616,7 +22075,7 @@
       </p:sp>
       <p:sp>
         <p:nvSpPr>
-          <p:cNvPr id="2" name="Content Placeholder 1"/>
+          <p:cNvPr id="3" name="Content Placeholder 2"/>
           <p:cNvSpPr>
             <a:spLocks noGrp="1"/>
           </p:cNvSpPr>
@@ -21624,175 +22083,54 @@
             <p:ph idx="1"/>
           </p:nvPr>
         </p:nvSpPr>
-        <p:spPr>
-          <a:xfrm>
-            <a:off x="537882" y="2002118"/>
-            <a:ext cx="8367059" cy="4538338"/>
-          </a:xfrm>
-        </p:spPr>
+        <p:spPr/>
         <p:txBody>
-          <a:bodyPr>
-            <a:noAutofit/>
-          </a:bodyPr>
+          <a:bodyPr/>
           <a:lstStyle/>
           <a:p>
-            <a:pPr>
-              <a:spcBef>
-                <a:spcPts val="800"/>
-              </a:spcBef>
-            </a:pPr>
-            <a:r>
-              <a:rPr lang="en-US" sz="2400" dirty="0" smtClean="0"/>
-              <a:t>7-8: Breakfast. Head’s up: They close promptly. </a:t>
-            </a:r>
-          </a:p>
-          <a:p>
-            <a:pPr>
-              <a:spcBef>
-                <a:spcPts val="800"/>
-              </a:spcBef>
-            </a:pPr>
-            <a:r>
-              <a:rPr lang="en-US" sz="2400" dirty="0" smtClean="0"/>
-              <a:t>9:00 am-</a:t>
-            </a:r>
-            <a:r>
-              <a:rPr lang="en-US" sz="2400" dirty="0" err="1" smtClean="0"/>
-              <a:t>ish</a:t>
-            </a:r>
-            <a:r>
-              <a:rPr lang="en-US" sz="2400" dirty="0" smtClean="0"/>
-              <a:t> – Lecture</a:t>
-            </a:r>
-          </a:p>
-          <a:p>
-            <a:pPr>
-              <a:spcBef>
-                <a:spcPts val="800"/>
-              </a:spcBef>
-            </a:pPr>
-            <a:r>
-              <a:rPr lang="en-US" sz="2400" dirty="0" smtClean="0"/>
-              <a:t>10:30 am – Morning Tutorial </a:t>
-            </a:r>
-          </a:p>
-          <a:p>
-            <a:pPr>
-              <a:spcBef>
-                <a:spcPts val="800"/>
-              </a:spcBef>
-            </a:pPr>
-            <a:r>
-              <a:rPr lang="en-US" sz="2400" dirty="0" smtClean="0"/>
-              <a:t>12-1 pm – Lunch</a:t>
-            </a:r>
-          </a:p>
-          <a:p>
-            <a:pPr>
-              <a:spcBef>
-                <a:spcPts val="800"/>
-              </a:spcBef>
-            </a:pPr>
-            <a:r>
-              <a:rPr lang="en-US" sz="2400" dirty="0" smtClean="0"/>
-              <a:t>1:15 pm – Afternoon Tutorial</a:t>
-            </a:r>
-          </a:p>
-          <a:p>
-            <a:pPr>
-              <a:spcBef>
-                <a:spcPts val="800"/>
-              </a:spcBef>
-            </a:pPr>
-            <a:r>
-              <a:rPr lang="en-US" sz="2400" dirty="0"/>
-              <a:t>4</a:t>
-            </a:r>
-            <a:r>
-              <a:rPr lang="en-US" sz="2400" dirty="0" smtClean="0"/>
-              <a:t> pm</a:t>
-            </a:r>
-            <a:r>
-              <a:rPr lang="en-US" sz="2400" dirty="0"/>
-              <a:t> </a:t>
-            </a:r>
-            <a:r>
-              <a:rPr lang="en-US" sz="2400" dirty="0" smtClean="0"/>
-              <a:t> – Break</a:t>
-            </a:r>
-          </a:p>
-          <a:p>
-            <a:pPr>
-              <a:spcBef>
-                <a:spcPts val="800"/>
-              </a:spcBef>
-            </a:pPr>
-            <a:r>
-              <a:rPr lang="en-US" sz="2400" dirty="0" smtClean="0"/>
-              <a:t>5-6:30 – Dinner</a:t>
-            </a:r>
-          </a:p>
-          <a:p>
-            <a:pPr>
-              <a:spcBef>
-                <a:spcPts val="800"/>
-              </a:spcBef>
-            </a:pPr>
-            <a:r>
-              <a:rPr lang="en-US" sz="2400" dirty="0"/>
-              <a:t>8</a:t>
-            </a:r>
-            <a:r>
-              <a:rPr lang="en-US" sz="2400" dirty="0" smtClean="0"/>
-              <a:t> pm – Guest lecture</a:t>
-            </a:r>
-          </a:p>
-          <a:p>
-            <a:pPr>
-              <a:spcBef>
-                <a:spcPts val="800"/>
-              </a:spcBef>
-            </a:pPr>
-            <a:r>
-              <a:rPr lang="en-US" sz="2400" dirty="0" smtClean="0"/>
-              <a:t>9 pm-</a:t>
-            </a:r>
-            <a:r>
-              <a:rPr lang="en-US" sz="2400" dirty="0"/>
-              <a:t> </a:t>
-            </a:r>
-            <a:r>
-              <a:rPr lang="en-US" sz="2400" dirty="0" smtClean="0"/>
-              <a:t>?  – Social time, fire pit</a:t>
-            </a:r>
-          </a:p>
-          <a:p>
-            <a:pPr>
-              <a:spcBef>
-                <a:spcPts val="800"/>
-              </a:spcBef>
-            </a:pPr>
-            <a:endParaRPr lang="en-US" sz="2400" dirty="0"/>
+            <a:r>
+              <a:rPr lang="en-US" dirty="0" smtClean="0"/>
+              <a:t>Overarching Goals are posted the wiki: </a:t>
+            </a:r>
+            <a:r>
+              <a:rPr lang="en-US" dirty="0" smtClean="0">
+                <a:hlinkClick r:id="rId2"/>
+              </a:rPr>
+              <a:t>https</a:t>
+            </a:r>
+            <a:r>
+              <a:rPr lang="en-US" dirty="0">
+                <a:hlinkClick r:id="rId2"/>
+              </a:rPr>
+              <a:t>://github.com/edamame-course/2015-tutorials/</a:t>
+            </a:r>
+            <a:r>
+              <a:rPr lang="en-US" dirty="0" smtClean="0">
+                <a:hlinkClick r:id="rId2"/>
+              </a:rPr>
+              <a:t>wiki</a:t>
+            </a:r>
+            <a:endParaRPr lang="en-US" dirty="0" smtClean="0"/>
+          </a:p>
+          <a:p>
+            <a:r>
+              <a:rPr lang="en-US" dirty="0" smtClean="0"/>
+              <a:t>More specific objectives</a:t>
+            </a:r>
+            <a:endParaRPr lang="en-US" dirty="0"/>
           </a:p>
         </p:txBody>
       </p:sp>
     </p:spTree>
     <p:extLst>
       <p:ext uri="{BB962C8B-B14F-4D97-AF65-F5344CB8AC3E}">
-        <p14:creationId xmlns:p14="http://schemas.microsoft.com/office/powerpoint/2010/main" val="445053628"/>
+        <p14:creationId xmlns:p14="http://schemas.microsoft.com/office/powerpoint/2010/main" val="3626041776"/>
       </p:ext>
     </p:extLst>
   </p:cSld>
   <p:clrMapOvr>
     <a:masterClrMapping/>
   </p:clrMapOvr>
-  <p:timing>
-    <p:tnLst>
-      <p:par>
-        <p:cTn xmlns:p14="http://schemas.microsoft.com/office/powerpoint/2010/main" id="1" dur="indefinite" restart="never" nodeType="tmRoot"/>
-      </p:par>
-    </p:tnLst>
-  </p:timing>
 </p:sld>
 </file>
 
@@ -21823,14 +22161,21 @@
             <p:ph type="title"/>
           </p:nvPr>
         </p:nvSpPr>
-        <p:spPr/>
+        <p:spPr>
+          <a:xfrm>
+            <a:off x="457199" y="152718"/>
+            <a:ext cx="8447741" cy="1371600"/>
+          </a:xfrm>
+        </p:spPr>
         <p:txBody>
-          <a:bodyPr/>
+          <a:bodyPr>
+            <a:normAutofit fontScale="90000"/>
+          </a:bodyPr>
           <a:lstStyle/>
           <a:p>
             <a:r>
               <a:rPr lang="en-US" dirty="0" smtClean="0"/>
-              <a:t>WHO</a:t>
+              <a:t>A Snapshot of our action packed days</a:t>
             </a:r>
             <a:endParaRPr lang="en-US" dirty="0"/>
           </a:p>
@@ -21846,87 +22191,162 @@
             <p:ph idx="1"/>
           </p:nvPr>
         </p:nvSpPr>
-        <p:spPr/>
+        <p:spPr>
+          <a:xfrm>
+            <a:off x="537882" y="2002118"/>
+            <a:ext cx="8367059" cy="4538338"/>
+          </a:xfrm>
+        </p:spPr>
         <p:txBody>
           <a:bodyPr>
             <a:noAutofit/>
           </a:bodyPr>
           <a:lstStyle/>
           <a:p>
+            <a:pPr>
+              <a:spcBef>
+                <a:spcPts val="800"/>
+              </a:spcBef>
+            </a:pPr>
             <a:r>
               <a:rPr lang="en-US" sz="2400" dirty="0" smtClean="0"/>
-              <a:t>Prof. Ashley Shade - MSU</a:t>
-            </a:r>
-          </a:p>
-          <a:p>
+              <a:t>7-8: Breakfast. Head’s up: They close promptly. </a:t>
+            </a:r>
+          </a:p>
+          <a:p>
+            <a:pPr>
+              <a:spcBef>
+                <a:spcPts val="800"/>
+              </a:spcBef>
+            </a:pPr>
             <a:r>
               <a:rPr lang="en-US" sz="2400" dirty="0" smtClean="0"/>
-              <a:t>Dr. Josh Herr -MSU</a:t>
-            </a:r>
-          </a:p>
-          <a:p>
+              <a:t>9:00 am-</a:t>
+            </a:r>
+            <a:r>
+              <a:rPr lang="en-US" sz="2400" dirty="0" err="1" smtClean="0"/>
+              <a:t>ish</a:t>
+            </a:r>
+            <a:r>
+              <a:rPr lang="en-US" sz="2400" dirty="0" smtClean="0"/>
+              <a:t> – Lecture</a:t>
+            </a:r>
+          </a:p>
+          <a:p>
+            <a:pPr>
+              <a:spcBef>
+                <a:spcPts val="800"/>
+              </a:spcBef>
+            </a:pPr>
+            <a:r>
+              <a:rPr lang="en-US" sz="2400" dirty="0" smtClean="0"/>
+              <a:t>10:30 am – Morning Tutorial </a:t>
+            </a:r>
+          </a:p>
+          <a:p>
+            <a:pPr>
+              <a:spcBef>
+                <a:spcPts val="800"/>
+              </a:spcBef>
+            </a:pPr>
+            <a:r>
+              <a:rPr lang="en-US" sz="2400" dirty="0" smtClean="0"/>
+              <a:t>12-1 pm – Lunch</a:t>
+            </a:r>
+          </a:p>
+          <a:p>
+            <a:pPr>
+              <a:spcBef>
+                <a:spcPts val="800"/>
+              </a:spcBef>
+            </a:pPr>
+            <a:r>
+              <a:rPr lang="en-US" sz="2400" dirty="0" smtClean="0"/>
+              <a:t>1:15 pm – Afternoon Tutorial</a:t>
+            </a:r>
+          </a:p>
+          <a:p>
+            <a:pPr>
+              <a:spcBef>
+                <a:spcPts val="800"/>
+              </a:spcBef>
+            </a:pPr>
+            <a:r>
+              <a:rPr lang="en-US" sz="2400" dirty="0"/>
+              <a:t>4</a:t>
+            </a:r>
+            <a:r>
+              <a:rPr lang="en-US" sz="2400" dirty="0" smtClean="0"/>
+              <a:t> pm</a:t>
+            </a:r>
+            <a:r>
+              <a:rPr lang="en-US" sz="2400" dirty="0"/>
+              <a:t> </a:t>
+            </a:r>
+            <a:r>
+              <a:rPr lang="en-US" sz="2400" dirty="0" smtClean="0"/>
+              <a:t> – Break</a:t>
+            </a:r>
+          </a:p>
+          <a:p>
+            <a:pPr>
+              <a:spcBef>
+                <a:spcPts val="800"/>
+              </a:spcBef>
+            </a:pPr>
+            <a:r>
+              <a:rPr lang="en-US" sz="2400" dirty="0" smtClean="0"/>
+              <a:t>5-6:30 – Dinner</a:t>
+            </a:r>
+          </a:p>
+          <a:p>
+            <a:pPr>
+              <a:spcBef>
+                <a:spcPts val="800"/>
+              </a:spcBef>
+            </a:pPr>
+            <a:r>
+              <a:rPr lang="en-US" sz="2400" dirty="0"/>
+              <a:t>8</a:t>
+            </a:r>
+            <a:r>
+              <a:rPr lang="en-US" sz="2400" dirty="0" smtClean="0"/>
+              <a:t> pm – Guest lecture</a:t>
+            </a:r>
+          </a:p>
+          <a:p>
+            <a:pPr>
+              <a:spcBef>
+                <a:spcPts val="800"/>
+              </a:spcBef>
+            </a:pPr>
+            <a:r>
+              <a:rPr lang="en-US" sz="2400" dirty="0" smtClean="0"/>
+              <a:t>9 pm-</a:t>
+            </a:r>
+            <a:r>
+              <a:rPr lang="en-US" sz="2400" dirty="0"/>
+              <a:t> </a:t>
+            </a:r>
+            <a:r>
+              <a:rPr lang="en-US" sz="2400" dirty="0" smtClean="0"/>
+              <a:t>?  – Social time, fire pit</a:t>
+            </a:r>
+          </a:p>
+          <a:p>
+            <a:pPr>
+              <a:spcBef>
+                <a:spcPts val="800"/>
+              </a:spcBef>
+            </a:pPr>
             <a:endParaRPr lang="en-US" sz="2400" dirty="0"/>
-          </a:p>
-          <a:p>
-            <a:r>
-              <a:rPr lang="en-US" sz="2400" dirty="0"/>
-              <a:t>Dr. Jin </a:t>
-            </a:r>
-            <a:r>
-              <a:rPr lang="en-US" sz="2400" dirty="0" smtClean="0"/>
-              <a:t>Choi  - Iowa State</a:t>
-            </a:r>
-          </a:p>
-          <a:p>
-            <a:r>
-              <a:rPr lang="en-US" sz="2400" dirty="0" smtClean="0"/>
-              <a:t>Siobhan Cusack  - MSU </a:t>
-            </a:r>
-          </a:p>
-          <a:p>
-            <a:r>
-              <a:rPr lang="en-US" sz="2400" dirty="0" smtClean="0"/>
-              <a:t>Dr. Sang-</a:t>
-            </a:r>
-            <a:r>
-              <a:rPr lang="en-US" sz="2400" dirty="0" err="1" smtClean="0"/>
-              <a:t>Hoon</a:t>
-            </a:r>
-            <a:r>
-              <a:rPr lang="en-US" sz="2400" dirty="0" smtClean="0"/>
-              <a:t> Lee – MSU &amp; Korea University</a:t>
-            </a:r>
-          </a:p>
-          <a:p>
-            <a:r>
-              <a:rPr lang="en-US" sz="2400" dirty="0" smtClean="0"/>
-              <a:t>Jackson Sorensen - MSU</a:t>
-            </a:r>
-          </a:p>
-          <a:p>
-            <a:r>
-              <a:rPr lang="en-US" sz="2400" dirty="0" smtClean="0"/>
-              <a:t>Paul Wilburn –KBS local – ask him for the insider’s scoop!</a:t>
-            </a:r>
-          </a:p>
-          <a:p>
-            <a:pPr marL="0" indent="0">
-              <a:buNone/>
-            </a:pPr>
-            <a:endParaRPr lang="en-US" dirty="0" smtClean="0"/>
-          </a:p>
-          <a:p>
-            <a:endParaRPr lang="en-US" dirty="0" smtClean="0"/>
-          </a:p>
-          <a:p>
-            <a:endParaRPr lang="en-US" dirty="0" smtClean="0"/>
           </a:p>
         </p:txBody>
       </p:sp>
     </p:spTree>
     <p:extLst>
       <p:ext uri="{BB962C8B-B14F-4D97-AF65-F5344CB8AC3E}">
-        <p14:creationId xmlns:p14="http://schemas.microsoft.com/office/powerpoint/2010/main" val="3806694127"/>
+        <p14:creationId xmlns:p14="http://schemas.microsoft.com/office/powerpoint/2010/main" val="445053628"/>
       </p:ext>
     </p:extLst>
   </p:cSld>

--- a/extra/Presentations/2015-06-22-AM_Ashley_WelcomeLecture.pptx
+++ b/extra/Presentations/2015-06-22-AM_Ashley_WelcomeLecture.pptx
@@ -3583,13 +3583,8 @@
             </a:r>
             <a:r>
               <a:rPr lang="en-US" dirty="0" smtClean="0"/>
-              <a:t> (</a:t>
-            </a:r>
-            <a:r>
-              <a:rPr lang="en-US" smtClean="0"/>
-              <a:t>back table)</a:t>
-            </a:r>
-            <a:endParaRPr lang="en-US" dirty="0" smtClean="0"/>
+              <a:t> (back table)</a:t>
+            </a:r>
           </a:p>
           <a:p>
             <a:r>
@@ -4432,6 +4427,13 @@
   <p:clrMapOvr>
     <a:masterClrMapping/>
   </p:clrMapOvr>
+  <p:timing>
+    <p:tnLst>
+      <p:par>
+        <p:cTn xmlns:p14="http://schemas.microsoft.com/office/powerpoint/2010/main" id="1" dur="indefinite" restart="never" nodeType="tmRoot"/>
+      </p:par>
+    </p:tnLst>
+  </p:timing>
 </p:sld>
 </file>
 
@@ -5027,6 +5029,13 @@
   <p:clrMapOvr>
     <a:masterClrMapping/>
   </p:clrMapOvr>
+  <p:timing>
+    <p:tnLst>
+      <p:par>
+        <p:cTn xmlns:p14="http://schemas.microsoft.com/office/powerpoint/2010/main" id="1" dur="indefinite" restart="never" nodeType="tmRoot"/>
+      </p:par>
+    </p:tnLst>
+  </p:timing>
 </p:sld>
 </file>
 
@@ -5501,6 +5510,13 @@
   <p:clrMapOvr>
     <a:masterClrMapping/>
   </p:clrMapOvr>
+  <p:timing>
+    <p:tnLst>
+      <p:par>
+        <p:cTn xmlns:p14="http://schemas.microsoft.com/office/powerpoint/2010/main" id="1" dur="indefinite" restart="never" nodeType="tmRoot"/>
+      </p:par>
+    </p:tnLst>
+  </p:timing>
 </p:sld>
 </file>
 
@@ -18786,6 +18802,13 @@
   <p:clrMapOvr>
     <a:masterClrMapping/>
   </p:clrMapOvr>
+  <p:timing>
+    <p:tnLst>
+      <p:par>
+        <p:cTn xmlns:p14="http://schemas.microsoft.com/office/powerpoint/2010/main" id="1" dur="indefinite" restart="never" nodeType="tmRoot"/>
+      </p:par>
+    </p:tnLst>
+  </p:timing>
 </p:sld>
 </file>
 
@@ -19207,6 +19230,13 @@
   <p:clrMapOvr>
     <a:masterClrMapping/>
   </p:clrMapOvr>
+  <p:timing>
+    <p:tnLst>
+      <p:par>
+        <p:cTn xmlns:p14="http://schemas.microsoft.com/office/powerpoint/2010/main" id="1" dur="indefinite" restart="never" nodeType="tmRoot"/>
+      </p:par>
+    </p:tnLst>
+  </p:timing>
 </p:sld>
 </file>
 
@@ -21379,6 +21409,13 @@
   <p:clrMapOvr>
     <a:masterClrMapping/>
   </p:clrMapOvr>
+  <p:timing>
+    <p:tnLst>
+      <p:par>
+        <p:cTn xmlns:p14="http://schemas.microsoft.com/office/powerpoint/2010/main" id="1" dur="indefinite" restart="never" nodeType="tmRoot"/>
+      </p:par>
+    </p:tnLst>
+  </p:timing>
 </p:sld>
 </file>
 
@@ -22131,6 +22168,13 @@
   <p:clrMapOvr>
     <a:masterClrMapping/>
   </p:clrMapOvr>
+  <p:timing>
+    <p:tnLst>
+      <p:par>
+        <p:cTn xmlns:p14="http://schemas.microsoft.com/office/powerpoint/2010/main" id="1" dur="indefinite" restart="never" nodeType="tmRoot"/>
+      </p:par>
+    </p:tnLst>
+  </p:timing>
 </p:sld>
 </file>
 
